--- a/BerkeleyClass/CS290Spring2013/Lectures/QC.pptx
+++ b/BerkeleyClass/CS290Spring2013/Lectures/QC.pptx
@@ -7296,8 +7296,8 @@
           </a:p>
         </p:txBody>
       </p:sp>
-      <mc:AlternateContent xmlns:mc="http://schemas.openxmlformats.org/markup-compatibility/2006">
-        <mc:Choice xmlns:a14="http://schemas.microsoft.com/office/drawing/2010/main" Requires="a14">
+      <mc:AlternateContent xmlns:mc="http://schemas.openxmlformats.org/markup-compatibility/2006" xmlns:a14="http://schemas.microsoft.com/office/drawing/2010/main">
+        <mc:Choice Requires="a14">
           <p:sp>
             <p:nvSpPr>
               <p:cNvPr id="30725" name="Rectangle 3"/>
@@ -7799,7 +7799,7 @@
             </p:txBody>
           </p:sp>
         </mc:Choice>
-        <mc:Fallback>
+        <mc:Fallback xmlns="">
           <p:sp>
             <p:nvSpPr>
               <p:cNvPr id="30725" name="Rectangle 3"/>
@@ -7929,8 +7929,8 @@
           </a:p>
         </p:txBody>
       </p:sp>
-      <mc:AlternateContent xmlns:mc="http://schemas.openxmlformats.org/markup-compatibility/2006">
-        <mc:Choice xmlns:a14="http://schemas.microsoft.com/office/drawing/2010/main" Requires="a14">
+      <mc:AlternateContent xmlns:mc="http://schemas.openxmlformats.org/markup-compatibility/2006" xmlns:a14="http://schemas.microsoft.com/office/drawing/2010/main">
+        <mc:Choice Requires="a14">
           <p:sp>
             <p:nvSpPr>
               <p:cNvPr id="30725" name="Rectangle 3"/>
@@ -8789,7 +8789,7 @@
             </p:txBody>
           </p:sp>
         </mc:Choice>
-        <mc:Fallback>
+        <mc:Fallback xmlns="">
           <p:sp>
             <p:nvSpPr>
               <p:cNvPr id="30725" name="Rectangle 3"/>
@@ -8827,8 +8827,8 @@
           </p:sp>
         </mc:Fallback>
       </mc:AlternateContent>
-      <mc:AlternateContent xmlns:mc="http://schemas.openxmlformats.org/markup-compatibility/2006">
-        <mc:Choice xmlns:a14="http://schemas.microsoft.com/office/drawing/2010/main" Requires="a14">
+      <mc:AlternateContent xmlns:mc="http://schemas.openxmlformats.org/markup-compatibility/2006" xmlns:a14="http://schemas.microsoft.com/office/drawing/2010/main">
+        <mc:Choice Requires="a14">
           <p:sp>
             <p:nvSpPr>
               <p:cNvPr id="2" name="Rectangle 3">
@@ -9609,7 +9609,7 @@
             </p:txBody>
           </p:sp>
         </mc:Choice>
-        <mc:Fallback>
+        <mc:Fallback xmlns="">
           <p:sp>
             <p:nvSpPr>
               <p:cNvPr id="2" name="Rectangle 3">
@@ -9752,8 +9752,8 @@
           </a:p>
         </p:txBody>
       </p:sp>
-      <mc:AlternateContent xmlns:mc="http://schemas.openxmlformats.org/markup-compatibility/2006">
-        <mc:Choice xmlns:a14="http://schemas.microsoft.com/office/drawing/2010/main" Requires="a14">
+      <mc:AlternateContent xmlns:mc="http://schemas.openxmlformats.org/markup-compatibility/2006" xmlns:a14="http://schemas.microsoft.com/office/drawing/2010/main">
+        <mc:Choice Requires="a14">
           <p:sp>
             <p:nvSpPr>
               <p:cNvPr id="30725" name="Rectangle 3"/>
@@ -10186,7 +10186,7 @@
             </p:txBody>
           </p:sp>
         </mc:Choice>
-        <mc:Fallback>
+        <mc:Fallback xmlns="">
           <p:sp>
             <p:nvSpPr>
               <p:cNvPr id="30725" name="Rectangle 3"/>
@@ -10567,8 +10567,8 @@
         </p:nvCxnSpPr>
         <p:spPr bwMode="auto">
           <a:xfrm>
-            <a:off x="3670160" y="3937279"/>
-            <a:ext cx="1892440" cy="25121"/>
+            <a:off x="3648293" y="3947464"/>
+            <a:ext cx="1808188" cy="7565"/>
           </a:xfrm>
           <a:prstGeom prst="line">
             <a:avLst/>
@@ -10604,7 +10604,7 @@
             </p:nvSpPr>
             <p:spPr>
               <a:xfrm>
-                <a:off x="1518666" y="3498780"/>
+                <a:off x="1518666" y="3593068"/>
                 <a:ext cx="685800" cy="369332"/>
               </a:xfrm>
               <a:prstGeom prst="rect">
@@ -10669,7 +10669,7 @@
             </p:nvSpPr>
             <p:spPr>
               <a:xfrm>
-                <a:off x="1518666" y="3498780"/>
+                <a:off x="1518666" y="3593068"/>
                 <a:ext cx="685800" cy="369332"/>
               </a:xfrm>
               <a:prstGeom prst="rect">
@@ -10678,7 +10678,7 @@
               <a:blipFill>
                 <a:blip r:embed="rId4"/>
                 <a:stretch>
-                  <a:fillRect l="-3636" b="-10000"/>
+                  <a:fillRect l="-3636" b="-13333"/>
                 </a:stretch>
               </a:blipFill>
             </p:spPr>
@@ -10713,7 +10713,7 @@
             </p:nvSpPr>
             <p:spPr>
               <a:xfrm>
-                <a:off x="1600200" y="4202668"/>
+                <a:off x="1524000" y="4278868"/>
                 <a:ext cx="685800" cy="369332"/>
               </a:xfrm>
               <a:prstGeom prst="rect">
@@ -10778,7 +10778,7 @@
             </p:nvSpPr>
             <p:spPr>
               <a:xfrm>
-                <a:off x="1600200" y="4202668"/>
+                <a:off x="1524000" y="4278868"/>
                 <a:ext cx="685800" cy="369332"/>
               </a:xfrm>
               <a:prstGeom prst="rect">
@@ -10787,7 +10787,7 @@
               <a:blipFill>
                 <a:blip r:embed="rId5"/>
                 <a:stretch>
-                  <a:fillRect l="-5556" b="-13333"/>
+                  <a:fillRect l="-5455" b="-9677"/>
                 </a:stretch>
               </a:blipFill>
             </p:spPr>
@@ -10859,7 +10859,7 @@
             </p:nvSpPr>
             <p:spPr>
               <a:xfrm>
-                <a:off x="5714999" y="4194210"/>
+                <a:off x="4730585" y="4071004"/>
                 <a:ext cx="990599" cy="424796"/>
               </a:xfrm>
               <a:prstGeom prst="rect">
@@ -10873,6 +10873,7 @@
               </a:bodyPr>
               <a:lstStyle/>
               <a:p>
+                <a:pPr/>
                 <a14:m>
                   <m:oMathPara xmlns:m="http://schemas.openxmlformats.org/officeDocument/2006/math">
                     <m:oMathParaPr>
@@ -10943,7 +10944,7 @@
             </p:nvSpPr>
             <p:spPr>
               <a:xfrm>
-                <a:off x="5714999" y="4194210"/>
+                <a:off x="4730585" y="4071004"/>
                 <a:ext cx="990599" cy="424796"/>
               </a:xfrm>
               <a:prstGeom prst="rect">
@@ -10952,7 +10953,7 @@
               <a:blipFill>
                 <a:blip r:embed="rId6"/>
                 <a:stretch>
-                  <a:fillRect l="-1266" b="-8824"/>
+                  <a:fillRect l="-2532" b="-8571"/>
                 </a:stretch>
               </a:blipFill>
             </p:spPr>
@@ -10971,6 +10972,367 @@
           </p:sp>
         </mc:Fallback>
       </mc:AlternateContent>
+      <p:sp>
+        <p:nvSpPr>
+          <p:cNvPr id="6" name="Triangle 5">
+            <a:extLst>
+              <a:ext uri="{FF2B5EF4-FFF2-40B4-BE49-F238E27FC236}">
+                <a16:creationId xmlns:a16="http://schemas.microsoft.com/office/drawing/2014/main" id="{A590725C-3AB6-6827-3D54-6094059719EB}"/>
+              </a:ext>
+            </a:extLst>
+          </p:cNvPr>
+          <p:cNvSpPr/>
+          <p:nvPr/>
+        </p:nvSpPr>
+        <p:spPr bwMode="auto">
+          <a:xfrm rot="16200000">
+            <a:off x="7165848" y="4171998"/>
+            <a:ext cx="1060704" cy="489109"/>
+          </a:xfrm>
+          <a:prstGeom prst="triangle">
+            <a:avLst/>
+          </a:prstGeom>
+          <a:noFill/>
+          <a:ln w="25400" cap="flat" cmpd="sng" algn="ctr">
+            <a:solidFill>
+              <a:schemeClr val="tx1"/>
+            </a:solidFill>
+            <a:prstDash val="solid"/>
+            <a:round/>
+            <a:headEnd type="none" w="med" len="med"/>
+            <a:tailEnd type="triangle" w="med" len="med"/>
+          </a:ln>
+          <a:effectLst/>
+          <a:scene3d>
+            <a:camera prst="orthographicFront"/>
+            <a:lightRig rig="threePt" dir="t"/>
+          </a:scene3d>
+          <a:sp3d/>
+        </p:spPr>
+        <p:txBody>
+          <a:bodyPr vert="horz" wrap="square" lIns="91440" tIns="45720" rIns="91440" bIns="45720" numCol="1" rtlCol="0" anchor="t" anchorCtr="0" compatLnSpc="1">
+            <a:prstTxWarp prst="textNoShape">
+              <a:avLst/>
+            </a:prstTxWarp>
+            <a:spAutoFit/>
+          </a:bodyPr>
+          <a:lstStyle/>
+          <a:p>
+            <a:pPr marL="0" marR="0" indent="0" algn="ctr" defTabSz="914400" rtl="0" eaLnBrk="0" fontAlgn="base" latinLnBrk="0" hangingPunct="0">
+              <a:lnSpc>
+                <a:spcPct val="100000"/>
+              </a:lnSpc>
+              <a:spcBef>
+                <a:spcPct val="0"/>
+              </a:spcBef>
+              <a:spcAft>
+                <a:spcPct val="0"/>
+              </a:spcAft>
+              <a:buClrTx/>
+              <a:buSzTx/>
+              <a:buFontTx/>
+              <a:buNone/>
+              <a:tabLst/>
+            </a:pPr>
+            <a:endParaRPr kumimoji="0" lang="en-US" sz="1000" b="0" i="0" u="none" strike="noStrike" cap="none" normalizeH="0" baseline="0" dirty="0">
+              <a:ln>
+                <a:noFill/>
+              </a:ln>
+              <a:solidFill>
+                <a:schemeClr val="tx1"/>
+              </a:solidFill>
+              <a:effectLst/>
+              <a:latin typeface="Courier New" pitchFamily="49" charset="0"/>
+            </a:endParaRPr>
+          </a:p>
+        </p:txBody>
+      </p:sp>
+      <p:sp>
+        <p:nvSpPr>
+          <p:cNvPr id="10" name="TextBox 9">
+            <a:extLst>
+              <a:ext uri="{FF2B5EF4-FFF2-40B4-BE49-F238E27FC236}">
+                <a16:creationId xmlns:a16="http://schemas.microsoft.com/office/drawing/2014/main" id="{A9DA7D7E-0106-71AC-3425-EF1E3CE4D786}"/>
+              </a:ext>
+            </a:extLst>
+          </p:cNvPr>
+          <p:cNvSpPr txBox="1"/>
+          <p:nvPr/>
+        </p:nvSpPr>
+        <p:spPr>
+          <a:xfrm>
+            <a:off x="7407360" y="4261104"/>
+            <a:ext cx="685795" cy="338554"/>
+          </a:xfrm>
+          <a:prstGeom prst="rect">
+            <a:avLst/>
+          </a:prstGeom>
+          <a:noFill/>
+        </p:spPr>
+        <p:txBody>
+          <a:bodyPr wrap="square" rtlCol="0">
+            <a:spAutoFit/>
+          </a:bodyPr>
+          <a:lstStyle/>
+          <a:p>
+            <a:r>
+              <a:rPr lang="en-US" sz="1600" dirty="0">
+                <a:latin typeface="Calibri" panose="020F0502020204030204" pitchFamily="34" charset="0"/>
+                <a:cs typeface="Calibri" panose="020F0502020204030204" pitchFamily="34" charset="0"/>
+              </a:rPr>
+              <a:t>Bell</a:t>
+            </a:r>
+            <a:endParaRPr lang="en-US" dirty="0">
+              <a:latin typeface="Calibri" panose="020F0502020204030204" pitchFamily="34" charset="0"/>
+              <a:cs typeface="Calibri" panose="020F0502020204030204" pitchFamily="34" charset="0"/>
+            </a:endParaRPr>
+          </a:p>
+        </p:txBody>
+      </p:sp>
+      <mc:AlternateContent xmlns:mc="http://schemas.openxmlformats.org/markup-compatibility/2006">
+        <mc:Choice xmlns:a14="http://schemas.microsoft.com/office/drawing/2010/main" Requires="a14">
+          <p:sp>
+            <p:nvSpPr>
+              <p:cNvPr id="12" name="TextBox 11">
+                <a:extLst>
+                  <a:ext uri="{FF2B5EF4-FFF2-40B4-BE49-F238E27FC236}">
+                    <a16:creationId xmlns:a16="http://schemas.microsoft.com/office/drawing/2014/main" id="{B015D2A5-2AA7-76D0-173C-E82A4770D87F}"/>
+                  </a:ext>
+                </a:extLst>
+              </p:cNvPr>
+              <p:cNvSpPr txBox="1"/>
+              <p:nvPr/>
+            </p:nvSpPr>
+            <p:spPr>
+              <a:xfrm>
+                <a:off x="6096000" y="4071004"/>
+                <a:ext cx="685800" cy="523220"/>
+              </a:xfrm>
+              <a:prstGeom prst="rect">
+                <a:avLst/>
+              </a:prstGeom>
+              <a:noFill/>
+            </p:spPr>
+            <p:txBody>
+              <a:bodyPr wrap="square" rtlCol="0">
+                <a:spAutoFit/>
+              </a:bodyPr>
+              <a:lstStyle/>
+              <a:p>
+                <a14:m>
+                  <m:oMathPara xmlns:m="http://schemas.openxmlformats.org/officeDocument/2006/math">
+                    <m:oMathParaPr>
+                      <m:jc m:val="centerGroup"/>
+                    </m:oMathParaPr>
+                    <m:oMath xmlns:m="http://schemas.openxmlformats.org/officeDocument/2006/math">
+                      <m:r>
+                        <a:rPr lang="en-US" sz="2800" i="1" smtClean="0">
+                          <a:latin typeface="Cambria Math" panose="02040503050406030204" pitchFamily="18" charset="0"/>
+                          <a:ea typeface="Cambria Math" panose="02040503050406030204" pitchFamily="18" charset="0"/>
+                        </a:rPr>
+                        <m:t>≡</m:t>
+                      </m:r>
+                    </m:oMath>
+                  </m:oMathPara>
+                </a14:m>
+                <a:endParaRPr lang="en-US" sz="2800" dirty="0"/>
+              </a:p>
+            </p:txBody>
+          </p:sp>
+        </mc:Choice>
+        <mc:Fallback>
+          <p:sp>
+            <p:nvSpPr>
+              <p:cNvPr id="12" name="TextBox 11">
+                <a:extLst>
+                  <a:ext uri="{FF2B5EF4-FFF2-40B4-BE49-F238E27FC236}">
+                    <a16:creationId xmlns:a16="http://schemas.microsoft.com/office/drawing/2014/main" id="{B015D2A5-2AA7-76D0-173C-E82A4770D87F}"/>
+                  </a:ext>
+                </a:extLst>
+              </p:cNvPr>
+              <p:cNvSpPr txBox="1">
+                <a:spLocks noRot="1" noChangeAspect="1" noMove="1" noResize="1" noEditPoints="1" noAdjustHandles="1" noChangeArrowheads="1" noChangeShapeType="1" noTextEdit="1"/>
+              </p:cNvSpPr>
+              <p:nvPr/>
+            </p:nvSpPr>
+            <p:spPr>
+              <a:xfrm>
+                <a:off x="6096000" y="4071004"/>
+                <a:ext cx="685800" cy="523220"/>
+              </a:xfrm>
+              <a:prstGeom prst="rect">
+                <a:avLst/>
+              </a:prstGeom>
+              <a:blipFill>
+                <a:blip r:embed="rId7"/>
+                <a:stretch>
+                  <a:fillRect/>
+                </a:stretch>
+              </a:blipFill>
+            </p:spPr>
+            <p:txBody>
+              <a:bodyPr/>
+              <a:lstStyle/>
+              <a:p>
+                <a:r>
+                  <a:rPr lang="en-US">
+                    <a:noFill/>
+                  </a:rPr>
+                  <a:t> </a:t>
+                </a:r>
+              </a:p>
+            </p:txBody>
+          </p:sp>
+        </mc:Fallback>
+      </mc:AlternateContent>
+      <p:cxnSp>
+        <p:nvCxnSpPr>
+          <p:cNvPr id="19" name="Straight Connector 18">
+            <a:extLst>
+              <a:ext uri="{FF2B5EF4-FFF2-40B4-BE49-F238E27FC236}">
+                <a16:creationId xmlns:a16="http://schemas.microsoft.com/office/drawing/2014/main" id="{5C9797C7-BCF2-3BD7-7F81-230E583716DF}"/>
+              </a:ext>
+            </a:extLst>
+          </p:cNvPr>
+          <p:cNvCxnSpPr>
+            <a:cxnSpLocks/>
+          </p:cNvCxnSpPr>
+          <p:nvPr/>
+        </p:nvCxnSpPr>
+        <p:spPr bwMode="auto">
+          <a:xfrm>
+            <a:off x="7064457" y="4071004"/>
+            <a:ext cx="685800" cy="0"/>
+          </a:xfrm>
+          <a:prstGeom prst="line">
+            <a:avLst/>
+          </a:prstGeom>
+          <a:solidFill>
+            <a:schemeClr val="accent1"/>
+          </a:solidFill>
+          <a:ln w="25400" cap="flat" cmpd="sng" algn="ctr">
+            <a:solidFill>
+              <a:schemeClr val="tx1"/>
+            </a:solidFill>
+            <a:prstDash val="solid"/>
+            <a:round/>
+            <a:headEnd type="none" w="med" len="med"/>
+            <a:tailEnd type="none" w="med" len="med"/>
+          </a:ln>
+          <a:effectLst/>
+        </p:spPr>
+      </p:cxnSp>
+      <p:cxnSp>
+        <p:nvCxnSpPr>
+          <p:cNvPr id="21" name="Straight Connector 20">
+            <a:extLst>
+              <a:ext uri="{FF2B5EF4-FFF2-40B4-BE49-F238E27FC236}">
+                <a16:creationId xmlns:a16="http://schemas.microsoft.com/office/drawing/2014/main" id="{16EDB32A-80C9-DB1A-FF85-A7894443AF80}"/>
+              </a:ext>
+            </a:extLst>
+          </p:cNvPr>
+          <p:cNvCxnSpPr>
+            <a:cxnSpLocks/>
+          </p:cNvCxnSpPr>
+          <p:nvPr/>
+        </p:nvCxnSpPr>
+        <p:spPr bwMode="auto">
+          <a:xfrm>
+            <a:off x="7010400" y="4661345"/>
+            <a:ext cx="685800" cy="0"/>
+          </a:xfrm>
+          <a:prstGeom prst="line">
+            <a:avLst/>
+          </a:prstGeom>
+          <a:solidFill>
+            <a:schemeClr val="accent1"/>
+          </a:solidFill>
+          <a:ln w="25400" cap="flat" cmpd="sng" algn="ctr">
+            <a:solidFill>
+              <a:schemeClr val="tx1"/>
+            </a:solidFill>
+            <a:prstDash val="solid"/>
+            <a:round/>
+            <a:headEnd type="none" w="med" len="med"/>
+            <a:tailEnd type="none" w="med" len="med"/>
+          </a:ln>
+          <a:effectLst/>
+        </p:spPr>
+      </p:cxnSp>
+      <p:cxnSp>
+        <p:nvCxnSpPr>
+          <p:cNvPr id="22" name="Straight Connector 21">
+            <a:extLst>
+              <a:ext uri="{FF2B5EF4-FFF2-40B4-BE49-F238E27FC236}">
+                <a16:creationId xmlns:a16="http://schemas.microsoft.com/office/drawing/2014/main" id="{550C5C8E-17AE-11DE-5098-131206996201}"/>
+              </a:ext>
+            </a:extLst>
+          </p:cNvPr>
+          <p:cNvCxnSpPr>
+            <a:cxnSpLocks/>
+          </p:cNvCxnSpPr>
+          <p:nvPr/>
+        </p:nvCxnSpPr>
+        <p:spPr bwMode="auto">
+          <a:xfrm>
+            <a:off x="7940755" y="4071004"/>
+            <a:ext cx="685800" cy="0"/>
+          </a:xfrm>
+          <a:prstGeom prst="line">
+            <a:avLst/>
+          </a:prstGeom>
+          <a:solidFill>
+            <a:schemeClr val="accent1"/>
+          </a:solidFill>
+          <a:ln w="25400" cap="flat" cmpd="sng" algn="ctr">
+            <a:solidFill>
+              <a:schemeClr val="tx1"/>
+            </a:solidFill>
+            <a:prstDash val="solid"/>
+            <a:round/>
+            <a:headEnd type="none" w="med" len="med"/>
+            <a:tailEnd type="none" w="med" len="med"/>
+          </a:ln>
+          <a:effectLst/>
+        </p:spPr>
+      </p:cxnSp>
+      <p:cxnSp>
+        <p:nvCxnSpPr>
+          <p:cNvPr id="23" name="Straight Connector 22">
+            <a:extLst>
+              <a:ext uri="{FF2B5EF4-FFF2-40B4-BE49-F238E27FC236}">
+                <a16:creationId xmlns:a16="http://schemas.microsoft.com/office/drawing/2014/main" id="{304BCD41-2082-BA39-2B79-E357E0FCE882}"/>
+              </a:ext>
+            </a:extLst>
+          </p:cNvPr>
+          <p:cNvCxnSpPr>
+            <a:cxnSpLocks/>
+          </p:cNvCxnSpPr>
+          <p:nvPr/>
+        </p:nvCxnSpPr>
+        <p:spPr bwMode="auto">
+          <a:xfrm>
+            <a:off x="7940755" y="4617417"/>
+            <a:ext cx="685800" cy="0"/>
+          </a:xfrm>
+          <a:prstGeom prst="line">
+            <a:avLst/>
+          </a:prstGeom>
+          <a:solidFill>
+            <a:schemeClr val="accent1"/>
+          </a:solidFill>
+          <a:ln w="25400" cap="flat" cmpd="sng" algn="ctr">
+            <a:solidFill>
+              <a:schemeClr val="tx1"/>
+            </a:solidFill>
+            <a:prstDash val="solid"/>
+            <a:round/>
+            <a:headEnd type="none" w="med" len="med"/>
+            <a:tailEnd type="none" w="med" len="med"/>
+          </a:ln>
+          <a:effectLst/>
+        </p:spPr>
+      </p:cxnSp>
     </p:spTree>
     <p:extLst>
       <p:ext uri="{BB962C8B-B14F-4D97-AF65-F5344CB8AC3E}">
@@ -11063,8 +11425,8 @@
           </a:p>
         </p:txBody>
       </p:sp>
-      <mc:AlternateContent xmlns:mc="http://schemas.openxmlformats.org/markup-compatibility/2006">
-        <mc:Choice xmlns:a14="http://schemas.microsoft.com/office/drawing/2010/main" Requires="a14">
+      <mc:AlternateContent xmlns:mc="http://schemas.openxmlformats.org/markup-compatibility/2006" xmlns:a14="http://schemas.microsoft.com/office/drawing/2010/main">
+        <mc:Choice Requires="a14">
           <p:sp>
             <p:nvSpPr>
               <p:cNvPr id="30725" name="Rectangle 3"/>
@@ -11105,7 +11467,7 @@
             </p:txBody>
           </p:sp>
         </mc:Choice>
-        <mc:Fallback>
+        <mc:Fallback xmlns="">
           <p:sp>
             <p:nvSpPr>
               <p:cNvPr id="30725" name="Rectangle 3"/>
@@ -11240,8 +11602,8 @@
           </a:p>
         </p:txBody>
       </p:sp>
-      <mc:AlternateContent xmlns:mc="http://schemas.openxmlformats.org/markup-compatibility/2006">
-        <mc:Choice xmlns:a14="http://schemas.microsoft.com/office/drawing/2010/main" Requires="a14">
+      <mc:AlternateContent xmlns:mc="http://schemas.openxmlformats.org/markup-compatibility/2006" xmlns:a14="http://schemas.microsoft.com/office/drawing/2010/main">
+        <mc:Choice Requires="a14">
           <p:sp>
             <p:nvSpPr>
               <p:cNvPr id="30725" name="Rectangle 3"/>
@@ -11644,7 +12006,7 @@
             </p:txBody>
           </p:sp>
         </mc:Choice>
-        <mc:Fallback>
+        <mc:Fallback xmlns="">
           <p:sp>
             <p:nvSpPr>
               <p:cNvPr id="30725" name="Rectangle 3"/>
@@ -12419,8 +12781,8 @@
           </p:sp>
         </mc:Fallback>
       </mc:AlternateContent>
-      <mc:AlternateContent xmlns:mc="http://schemas.openxmlformats.org/markup-compatibility/2006" xmlns:a14="http://schemas.microsoft.com/office/drawing/2010/main">
-        <mc:Choice Requires="a14">
+      <mc:AlternateContent xmlns:mc="http://schemas.openxmlformats.org/markup-compatibility/2006">
+        <mc:Choice xmlns:a14="http://schemas.microsoft.com/office/drawing/2010/main" Requires="a14">
           <p:sp>
             <p:nvSpPr>
               <p:cNvPr id="31" name="TextBox 30">
@@ -12435,7 +12797,7 @@
             </p:nvSpPr>
             <p:spPr>
               <a:xfrm>
-                <a:off x="1633620" y="4495799"/>
+                <a:off x="1031944" y="5033547"/>
                 <a:ext cx="957173" cy="369332"/>
               </a:xfrm>
               <a:prstGeom prst="rect">
@@ -12503,7 +12865,7 @@
             </p:txBody>
           </p:sp>
         </mc:Choice>
-        <mc:Fallback xmlns="">
+        <mc:Fallback>
           <p:sp>
             <p:nvSpPr>
               <p:cNvPr id="31" name="TextBox 30">
@@ -12520,7 +12882,7 @@
             </p:nvSpPr>
             <p:spPr>
               <a:xfrm>
-                <a:off x="1633620" y="4495799"/>
+                <a:off x="1031944" y="5033547"/>
                 <a:ext cx="957173" cy="369332"/>
               </a:xfrm>
               <a:prstGeom prst="rect">
@@ -12529,7 +12891,7 @@
               <a:blipFill>
                 <a:blip r:embed="rId5"/>
                 <a:stretch>
-                  <a:fillRect l="-1299" b="-9677"/>
+                  <a:fillRect l="-2632" b="-10000"/>
                 </a:stretch>
               </a:blipFill>
             </p:spPr>
@@ -14579,8 +14941,8 @@
           </a:p>
         </p:txBody>
       </p:sp>
-      <mc:AlternateContent xmlns:mc="http://schemas.openxmlformats.org/markup-compatibility/2006">
-        <mc:Choice xmlns:a14="http://schemas.microsoft.com/office/drawing/2010/main" Requires="a14">
+      <mc:AlternateContent xmlns:mc="http://schemas.openxmlformats.org/markup-compatibility/2006" xmlns:a14="http://schemas.microsoft.com/office/drawing/2010/main">
+        <mc:Choice Requires="a14">
           <p:sp>
             <p:nvSpPr>
               <p:cNvPr id="30725" name="Rectangle 3"/>
@@ -14742,7 +15104,7 @@
             </p:txBody>
           </p:sp>
         </mc:Choice>
-        <mc:Fallback>
+        <mc:Fallback xmlns="">
           <p:sp>
             <p:nvSpPr>
               <p:cNvPr id="30725" name="Rectangle 3"/>
@@ -14872,8 +15234,8 @@
           </a:p>
         </p:txBody>
       </p:sp>
-      <mc:AlternateContent xmlns:mc="http://schemas.openxmlformats.org/markup-compatibility/2006">
-        <mc:Choice xmlns:a14="http://schemas.microsoft.com/office/drawing/2010/main" Requires="a14">
+      <mc:AlternateContent xmlns:mc="http://schemas.openxmlformats.org/markup-compatibility/2006" xmlns:a14="http://schemas.microsoft.com/office/drawing/2010/main">
+        <mc:Choice Requires="a14">
           <p:sp>
             <p:nvSpPr>
               <p:cNvPr id="30725" name="Rectangle 3"/>
@@ -16186,7 +16548,7 @@
             </p:txBody>
           </p:sp>
         </mc:Choice>
-        <mc:Fallback>
+        <mc:Fallback xmlns="">
           <p:sp>
             <p:nvSpPr>
               <p:cNvPr id="30725" name="Rectangle 3"/>
@@ -16316,8 +16678,8 @@
           </a:p>
         </p:txBody>
       </p:sp>
-      <mc:AlternateContent xmlns:mc="http://schemas.openxmlformats.org/markup-compatibility/2006">
-        <mc:Choice xmlns:a14="http://schemas.microsoft.com/office/drawing/2010/main" Requires="a14">
+      <mc:AlternateContent xmlns:mc="http://schemas.openxmlformats.org/markup-compatibility/2006" xmlns:a14="http://schemas.microsoft.com/office/drawing/2010/main">
+        <mc:Choice Requires="a14">
           <p:sp>
             <p:nvSpPr>
               <p:cNvPr id="30725" name="Rectangle 3"/>
@@ -16911,7 +17273,7 @@
             </p:txBody>
           </p:sp>
         </mc:Choice>
-        <mc:Fallback>
+        <mc:Fallback xmlns="">
           <p:sp>
             <p:nvSpPr>
               <p:cNvPr id="30725" name="Rectangle 3"/>
@@ -20833,8 +21195,8 @@
           </a:p>
         </p:txBody>
       </p:sp>
-      <mc:AlternateContent xmlns:mc="http://schemas.openxmlformats.org/markup-compatibility/2006">
-        <mc:Choice xmlns:a14="http://schemas.microsoft.com/office/drawing/2010/main" Requires="a14">
+      <mc:AlternateContent xmlns:mc="http://schemas.openxmlformats.org/markup-compatibility/2006" xmlns:a14="http://schemas.microsoft.com/office/drawing/2010/main">
+        <mc:Choice Requires="a14">
           <p:sp>
             <p:nvSpPr>
               <p:cNvPr id="30725" name="Rectangle 3"/>
@@ -22322,7 +22684,7 @@
             </p:txBody>
           </p:sp>
         </mc:Choice>
-        <mc:Fallback>
+        <mc:Fallback xmlns="">
           <p:sp>
             <p:nvSpPr>
               <p:cNvPr id="30725" name="Rectangle 3"/>
@@ -22452,8 +22814,8 @@
           </a:p>
         </p:txBody>
       </p:sp>
-      <mc:AlternateContent xmlns:mc="http://schemas.openxmlformats.org/markup-compatibility/2006">
-        <mc:Choice xmlns:a14="http://schemas.microsoft.com/office/drawing/2010/main" Requires="a14">
+      <mc:AlternateContent xmlns:mc="http://schemas.openxmlformats.org/markup-compatibility/2006" xmlns:a14="http://schemas.microsoft.com/office/drawing/2010/main">
+        <mc:Choice Requires="a14">
           <p:sp>
             <p:nvSpPr>
               <p:cNvPr id="30725" name="Rectangle 3"/>
@@ -23954,7 +24316,7 @@
             </p:txBody>
           </p:sp>
         </mc:Choice>
-        <mc:Fallback>
+        <mc:Fallback xmlns="">
           <p:sp>
             <p:nvSpPr>
               <p:cNvPr id="30725" name="Rectangle 3"/>
@@ -24084,8 +24446,8 @@
           </a:p>
         </p:txBody>
       </p:sp>
-      <mc:AlternateContent xmlns:mc="http://schemas.openxmlformats.org/markup-compatibility/2006">
-        <mc:Choice xmlns:a14="http://schemas.microsoft.com/office/drawing/2010/main" Requires="a14">
+      <mc:AlternateContent xmlns:mc="http://schemas.openxmlformats.org/markup-compatibility/2006" xmlns:a14="http://schemas.microsoft.com/office/drawing/2010/main">
+        <mc:Choice Requires="a14">
           <p:sp>
             <p:nvSpPr>
               <p:cNvPr id="30725" name="Rectangle 3"/>
@@ -25529,7 +25891,7 @@
             </p:txBody>
           </p:sp>
         </mc:Choice>
-        <mc:Fallback>
+        <mc:Fallback xmlns="">
           <p:sp>
             <p:nvSpPr>
               <p:cNvPr id="30725" name="Rectangle 3"/>
@@ -25659,8 +26021,8 @@
           </a:p>
         </p:txBody>
       </p:sp>
-      <mc:AlternateContent xmlns:mc="http://schemas.openxmlformats.org/markup-compatibility/2006">
-        <mc:Choice xmlns:a14="http://schemas.microsoft.com/office/drawing/2010/main" Requires="a14">
+      <mc:AlternateContent xmlns:mc="http://schemas.openxmlformats.org/markup-compatibility/2006" xmlns:a14="http://schemas.microsoft.com/office/drawing/2010/main">
+        <mc:Choice Requires="a14">
           <p:sp>
             <p:nvSpPr>
               <p:cNvPr id="30725" name="Rectangle 3"/>
@@ -27162,7 +27524,7 @@
             </p:txBody>
           </p:sp>
         </mc:Choice>
-        <mc:Fallback>
+        <mc:Fallback xmlns="">
           <p:sp>
             <p:nvSpPr>
               <p:cNvPr id="30725" name="Rectangle 3"/>
@@ -27417,8 +27779,8 @@
           </a:p>
         </p:txBody>
       </p:sp>
-      <mc:AlternateContent xmlns:mc="http://schemas.openxmlformats.org/markup-compatibility/2006">
-        <mc:Choice xmlns:a14="http://schemas.microsoft.com/office/drawing/2010/main" Requires="a14">
+      <mc:AlternateContent xmlns:mc="http://schemas.openxmlformats.org/markup-compatibility/2006" xmlns:a14="http://schemas.microsoft.com/office/drawing/2010/main">
+        <mc:Choice Requires="a14">
           <p:sp>
             <p:nvSpPr>
               <p:cNvPr id="30725" name="Rectangle 3"/>
@@ -27843,7 +28205,7 @@
             </p:txBody>
           </p:sp>
         </mc:Choice>
-        <mc:Fallback>
+        <mc:Fallback xmlns="">
           <p:sp>
             <p:nvSpPr>
               <p:cNvPr id="30725" name="Rectangle 3"/>

--- a/BerkeleyClass/CS290Spring2013/Lectures/QC.pptx
+++ b/BerkeleyClass/CS290Spring2013/Lectures/QC.pptx
@@ -7700,8 +7700,8 @@
           </a:p>
         </p:txBody>
       </p:sp>
-      <mc:AlternateContent xmlns:mc="http://schemas.openxmlformats.org/markup-compatibility/2006">
-        <mc:Choice xmlns:a14="http://schemas.microsoft.com/office/drawing/2010/main" Requires="a14">
+      <mc:AlternateContent xmlns:mc="http://schemas.openxmlformats.org/markup-compatibility/2006" xmlns:a14="http://schemas.microsoft.com/office/drawing/2010/main">
+        <mc:Choice Requires="a14">
           <p:sp>
             <p:nvSpPr>
               <p:cNvPr id="30725" name="Rectangle 3"/>
@@ -8560,7 +8560,7 @@
             </p:txBody>
           </p:sp>
         </mc:Choice>
-        <mc:Fallback>
+        <mc:Fallback xmlns="">
           <p:sp>
             <p:nvSpPr>
               <p:cNvPr id="30725" name="Rectangle 3"/>
@@ -8598,8 +8598,8 @@
           </p:sp>
         </mc:Fallback>
       </mc:AlternateContent>
-      <mc:AlternateContent xmlns:mc="http://schemas.openxmlformats.org/markup-compatibility/2006">
-        <mc:Choice xmlns:a14="http://schemas.microsoft.com/office/drawing/2010/main" Requires="a14">
+      <mc:AlternateContent xmlns:mc="http://schemas.openxmlformats.org/markup-compatibility/2006" xmlns:a14="http://schemas.microsoft.com/office/drawing/2010/main">
+        <mc:Choice Requires="a14">
           <p:sp>
             <p:nvSpPr>
               <p:cNvPr id="2" name="Rectangle 3">
@@ -9376,7 +9376,7 @@
             </p:txBody>
           </p:sp>
         </mc:Choice>
-        <mc:Fallback>
+        <mc:Fallback xmlns="">
           <p:sp>
             <p:nvSpPr>
               <p:cNvPr id="2" name="Rectangle 3">
@@ -9519,8 +9519,8 @@
           </a:p>
         </p:txBody>
       </p:sp>
-      <mc:AlternateContent xmlns:mc="http://schemas.openxmlformats.org/markup-compatibility/2006">
-        <mc:Choice xmlns:a14="http://schemas.microsoft.com/office/drawing/2010/main" Requires="a14">
+      <mc:AlternateContent xmlns:mc="http://schemas.openxmlformats.org/markup-compatibility/2006" xmlns:a14="http://schemas.microsoft.com/office/drawing/2010/main">
+        <mc:Choice Requires="a14">
           <p:sp>
             <p:nvSpPr>
               <p:cNvPr id="2" name="Rectangle 3">
@@ -9802,7 +9802,16 @@
                                   <a:rPr lang="en-US" sz="2000" kern="0">
                                     <a:latin typeface="Cambria Math" panose="02040503050406030204" pitchFamily="18" charset="0"/>
                                   </a:rPr>
-                                  <m:t>cos</m:t>
+                                  <m:t>c</m:t>
+                                </m:r>
+                                <m:r>
+                                  <m:rPr>
+                                    <m:sty m:val="p"/>
+                                  </m:rPr>
+                                  <a:rPr lang="en-US" sz="2000" kern="0">
+                                    <a:latin typeface="Cambria Math" panose="02040503050406030204" pitchFamily="18" charset="0"/>
+                                  </a:rPr>
+                                  <m:t>os</m:t>
                                 </m:r>
                                 <m:r>
                                   <m:rPr>
@@ -9811,7 +9820,13 @@
                                   <a:rPr lang="en-US" sz="2000" i="1" kern="0">
                                     <a:latin typeface="Cambria Math" panose="02040503050406030204" pitchFamily="18" charset="0"/>
                                   </a:rPr>
-                                  <m:t>⁡(</m:t>
+                                  <m:t>⁡</m:t>
+                                </m:r>
+                                <m:r>
+                                  <a:rPr lang="en-US" sz="2000" i="1" kern="0">
+                                    <a:latin typeface="Cambria Math" panose="02040503050406030204" pitchFamily="18" charset="0"/>
+                                  </a:rPr>
+                                  <m:t>(</m:t>
                                 </m:r>
                                 <m:f>
                                   <m:fPr>
@@ -10599,7 +10614,7 @@
             </p:txBody>
           </p:sp>
         </mc:Choice>
-        <mc:Fallback>
+        <mc:Fallback xmlns="">
           <p:sp>
             <p:nvSpPr>
               <p:cNvPr id="2" name="Rectangle 3">
@@ -10742,8 +10757,8 @@
           </a:p>
         </p:txBody>
       </p:sp>
-      <mc:AlternateContent xmlns:mc="http://schemas.openxmlformats.org/markup-compatibility/2006">
-        <mc:Choice xmlns:a14="http://schemas.microsoft.com/office/drawing/2010/main" Requires="a14">
+      <mc:AlternateContent xmlns:mc="http://schemas.openxmlformats.org/markup-compatibility/2006" xmlns:a14="http://schemas.microsoft.com/office/drawing/2010/main">
+        <mc:Choice Requires="a14">
           <p:sp>
             <p:nvSpPr>
               <p:cNvPr id="30725" name="Rectangle 3"/>
@@ -11003,14 +11018,7 @@
                             <a:latin typeface="Cambria Math" panose="02040503050406030204" pitchFamily="18" charset="0"/>
                             <a:ea typeface="Cambria Math" panose="02040503050406030204" pitchFamily="18" charset="0"/>
                           </a:rPr>
-                          <m:t>&gt;</m:t>
-                        </m:r>
-                        <m:r>
-                          <a:rPr lang="en-US" sz="2000" i="1">
-                            <a:latin typeface="Cambria Math" panose="02040503050406030204" pitchFamily="18" charset="0"/>
-                            <a:ea typeface="Cambria Math" panose="02040503050406030204" pitchFamily="18" charset="0"/>
-                          </a:rPr>
-                          <m:t>|</m:t>
+                          <m:t>&gt;|</m:t>
                         </m:r>
                         <m:r>
                           <a:rPr lang="en-US" sz="2000" i="1">
@@ -11047,14 +11055,7 @@
                         <a:latin typeface="Cambria Math" panose="02040503050406030204" pitchFamily="18" charset="0"/>
                         <a:ea typeface="Cambria Math" panose="02040503050406030204" pitchFamily="18" charset="0"/>
                       </a:rPr>
-                      <m:t>&gt;</m:t>
-                    </m:r>
-                    <m:r>
-                      <a:rPr lang="en-US" sz="2000" i="1">
-                        <a:latin typeface="Cambria Math" panose="02040503050406030204" pitchFamily="18" charset="0"/>
-                        <a:ea typeface="Cambria Math" panose="02040503050406030204" pitchFamily="18" charset="0"/>
-                      </a:rPr>
-                      <m:t>|</m:t>
+                      <m:t>&gt;|</m:t>
                     </m:r>
                     <m:r>
                       <a:rPr lang="en-US" sz="2000" i="1">
@@ -11245,7 +11246,7 @@
             </p:txBody>
           </p:sp>
         </mc:Choice>
-        <mc:Fallback>
+        <mc:Fallback xmlns="">
           <p:sp>
             <p:nvSpPr>
               <p:cNvPr id="30725" name="Rectangle 3"/>
@@ -11375,8 +11376,8 @@
           </a:p>
         </p:txBody>
       </p:sp>
-      <mc:AlternateContent xmlns:mc="http://schemas.openxmlformats.org/markup-compatibility/2006">
-        <mc:Choice xmlns:a14="http://schemas.microsoft.com/office/drawing/2010/main" Requires="a14">
+      <mc:AlternateContent xmlns:mc="http://schemas.openxmlformats.org/markup-compatibility/2006" xmlns:a14="http://schemas.microsoft.com/office/drawing/2010/main">
+        <mc:Choice Requires="a14">
           <p:sp>
             <p:nvSpPr>
               <p:cNvPr id="30725" name="Rectangle 3"/>
@@ -11809,7 +11810,7 @@
             </p:txBody>
           </p:sp>
         </mc:Choice>
-        <mc:Fallback>
+        <mc:Fallback xmlns="">
           <p:sp>
             <p:nvSpPr>
               <p:cNvPr id="30725" name="Rectangle 3"/>
@@ -12163,8 +12164,8 @@
           <a:effectLst/>
         </p:spPr>
       </p:cxnSp>
-      <mc:AlternateContent xmlns:mc="http://schemas.openxmlformats.org/markup-compatibility/2006">
-        <mc:Choice xmlns:a14="http://schemas.microsoft.com/office/drawing/2010/main" Requires="a14">
+      <mc:AlternateContent xmlns:mc="http://schemas.openxmlformats.org/markup-compatibility/2006" xmlns:a14="http://schemas.microsoft.com/office/drawing/2010/main">
+        <mc:Choice Requires="a14">
           <p:sp>
             <p:nvSpPr>
               <p:cNvPr id="15" name="TextBox 14">
@@ -12227,7 +12228,7 @@
             </p:txBody>
           </p:sp>
         </mc:Choice>
-        <mc:Fallback>
+        <mc:Fallback xmlns="">
           <p:sp>
             <p:nvSpPr>
               <p:cNvPr id="15" name="TextBox 14">
@@ -12272,8 +12273,8 @@
           </p:sp>
         </mc:Fallback>
       </mc:AlternateContent>
-      <mc:AlternateContent xmlns:mc="http://schemas.openxmlformats.org/markup-compatibility/2006">
-        <mc:Choice xmlns:a14="http://schemas.microsoft.com/office/drawing/2010/main" Requires="a14">
+      <mc:AlternateContent xmlns:mc="http://schemas.openxmlformats.org/markup-compatibility/2006" xmlns:a14="http://schemas.microsoft.com/office/drawing/2010/main">
+        <mc:Choice Requires="a14">
           <p:sp>
             <p:nvSpPr>
               <p:cNvPr id="16" name="TextBox 15">
@@ -12336,7 +12337,7 @@
             </p:txBody>
           </p:sp>
         </mc:Choice>
-        <mc:Fallback>
+        <mc:Fallback xmlns="">
           <p:sp>
             <p:nvSpPr>
               <p:cNvPr id="16" name="TextBox 15">
@@ -12418,8 +12419,8 @@
           <a:effectLst/>
         </p:spPr>
       </p:cxnSp>
-      <mc:AlternateContent xmlns:mc="http://schemas.openxmlformats.org/markup-compatibility/2006">
-        <mc:Choice xmlns:a14="http://schemas.microsoft.com/office/drawing/2010/main" Requires="a14">
+      <mc:AlternateContent xmlns:mc="http://schemas.openxmlformats.org/markup-compatibility/2006" xmlns:a14="http://schemas.microsoft.com/office/drawing/2010/main">
+        <mc:Choice Requires="a14">
           <p:sp>
             <p:nvSpPr>
               <p:cNvPr id="29" name="TextBox 28">
@@ -12502,7 +12503,7 @@
             </p:txBody>
           </p:sp>
         </mc:Choice>
-        <mc:Fallback>
+        <mc:Fallback xmlns="">
           <p:sp>
             <p:nvSpPr>
               <p:cNvPr id="29" name="TextBox 28">
@@ -12640,8 +12641,8 @@
           </a:p>
         </p:txBody>
       </p:sp>
-      <mc:AlternateContent xmlns:mc="http://schemas.openxmlformats.org/markup-compatibility/2006">
-        <mc:Choice xmlns:a14="http://schemas.microsoft.com/office/drawing/2010/main" Requires="a14">
+      <mc:AlternateContent xmlns:mc="http://schemas.openxmlformats.org/markup-compatibility/2006" xmlns:a14="http://schemas.microsoft.com/office/drawing/2010/main">
+        <mc:Choice Requires="a14">
           <p:sp>
             <p:nvSpPr>
               <p:cNvPr id="12" name="TextBox 11">
@@ -12692,7 +12693,7 @@
             </p:txBody>
           </p:sp>
         </mc:Choice>
-        <mc:Fallback>
+        <mc:Fallback xmlns="">
           <p:sp>
             <p:nvSpPr>
               <p:cNvPr id="12" name="TextBox 11">
@@ -12977,8 +12978,8 @@
           </a:p>
         </p:txBody>
       </p:sp>
-      <mc:AlternateContent xmlns:mc="http://schemas.openxmlformats.org/markup-compatibility/2006">
-        <mc:Choice xmlns:a14="http://schemas.microsoft.com/office/drawing/2010/main" Requires="a14">
+      <mc:AlternateContent xmlns:mc="http://schemas.openxmlformats.org/markup-compatibility/2006" xmlns:a14="http://schemas.microsoft.com/office/drawing/2010/main">
+        <mc:Choice Requires="a14">
           <p:sp>
             <p:nvSpPr>
               <p:cNvPr id="30725" name="Rectangle 3"/>
@@ -13163,7 +13164,7 @@
             </p:txBody>
           </p:sp>
         </mc:Choice>
-        <mc:Fallback>
+        <mc:Fallback xmlns="">
           <p:sp>
             <p:nvSpPr>
               <p:cNvPr id="30725" name="Rectangle 3"/>
@@ -13441,8 +13442,8 @@
           <a:effectLst/>
         </p:spPr>
       </p:cxnSp>
-      <mc:AlternateContent xmlns:mc="http://schemas.openxmlformats.org/markup-compatibility/2006">
-        <mc:Choice xmlns:a14="http://schemas.microsoft.com/office/drawing/2010/main" Requires="a14">
+      <mc:AlternateContent xmlns:mc="http://schemas.openxmlformats.org/markup-compatibility/2006" xmlns:a14="http://schemas.microsoft.com/office/drawing/2010/main">
+        <mc:Choice Requires="a14">
           <p:sp>
             <p:nvSpPr>
               <p:cNvPr id="11" name="TextBox 10">
@@ -13471,6 +13472,7 @@
               </a:bodyPr>
               <a:lstStyle/>
               <a:p>
+                <a:pPr/>
                 <a14:m>
                   <m:oMathPara xmlns:m="http://schemas.openxmlformats.org/officeDocument/2006/math">
                     <m:oMathParaPr>
@@ -13575,7 +13577,7 @@
             </p:txBody>
           </p:sp>
         </mc:Choice>
-        <mc:Fallback>
+        <mc:Fallback xmlns="">
           <p:sp>
             <p:nvSpPr>
               <p:cNvPr id="11" name="TextBox 10">
@@ -13620,8 +13622,8 @@
           </p:sp>
         </mc:Fallback>
       </mc:AlternateContent>
-      <mc:AlternateContent xmlns:mc="http://schemas.openxmlformats.org/markup-compatibility/2006">
-        <mc:Choice xmlns:a14="http://schemas.microsoft.com/office/drawing/2010/main" Requires="a14">
+      <mc:AlternateContent xmlns:mc="http://schemas.openxmlformats.org/markup-compatibility/2006" xmlns:a14="http://schemas.microsoft.com/office/drawing/2010/main">
+        <mc:Choice Requires="a14">
           <p:sp>
             <p:nvSpPr>
               <p:cNvPr id="13" name="TextBox 12">
@@ -13650,6 +13652,7 @@
               </a:bodyPr>
               <a:lstStyle/>
               <a:p>
+                <a:pPr/>
                 <a14:m>
                   <m:oMathPara xmlns:m="http://schemas.openxmlformats.org/officeDocument/2006/math">
                     <m:oMathParaPr>
@@ -13682,7 +13685,7 @@
             </p:txBody>
           </p:sp>
         </mc:Choice>
-        <mc:Fallback>
+        <mc:Fallback xmlns="">
           <p:sp>
             <p:nvSpPr>
               <p:cNvPr id="13" name="TextBox 12">
@@ -13727,8 +13730,8 @@
           </p:sp>
         </mc:Fallback>
       </mc:AlternateContent>
-      <mc:AlternateContent xmlns:mc="http://schemas.openxmlformats.org/markup-compatibility/2006">
-        <mc:Choice xmlns:a14="http://schemas.microsoft.com/office/drawing/2010/main" Requires="a14">
+      <mc:AlternateContent xmlns:mc="http://schemas.openxmlformats.org/markup-compatibility/2006" xmlns:a14="http://schemas.microsoft.com/office/drawing/2010/main">
+        <mc:Choice Requires="a14">
           <p:sp>
             <p:nvSpPr>
               <p:cNvPr id="14" name="TextBox 13">
@@ -13757,6 +13760,7 @@
               </a:bodyPr>
               <a:lstStyle/>
               <a:p>
+                <a:pPr/>
                 <a14:m>
                   <m:oMathPara xmlns:m="http://schemas.openxmlformats.org/officeDocument/2006/math">
                     <m:oMathParaPr>
@@ -13809,7 +13813,7 @@
             </p:txBody>
           </p:sp>
         </mc:Choice>
-        <mc:Fallback>
+        <mc:Fallback xmlns="">
           <p:sp>
             <p:nvSpPr>
               <p:cNvPr id="14" name="TextBox 13">
@@ -13854,8 +13858,8 @@
           </p:sp>
         </mc:Fallback>
       </mc:AlternateContent>
-      <mc:AlternateContent xmlns:mc="http://schemas.openxmlformats.org/markup-compatibility/2006">
-        <mc:Choice xmlns:a14="http://schemas.microsoft.com/office/drawing/2010/main" Requires="a14">
+      <mc:AlternateContent xmlns:mc="http://schemas.openxmlformats.org/markup-compatibility/2006" xmlns:a14="http://schemas.microsoft.com/office/drawing/2010/main">
+        <mc:Choice Requires="a14">
           <p:sp>
             <p:nvSpPr>
               <p:cNvPr id="15" name="TextBox 14">
@@ -13884,6 +13888,7 @@
               </a:bodyPr>
               <a:lstStyle/>
               <a:p>
+                <a:pPr/>
                 <a14:m>
                   <m:oMathPara xmlns:m="http://schemas.openxmlformats.org/officeDocument/2006/math">
                     <m:oMathParaPr>
@@ -13904,7 +13909,7 @@
             </p:txBody>
           </p:sp>
         </mc:Choice>
-        <mc:Fallback>
+        <mc:Fallback xmlns="">
           <p:sp>
             <p:nvSpPr>
               <p:cNvPr id="15" name="TextBox 14">
@@ -13949,8 +13954,8 @@
           </p:sp>
         </mc:Fallback>
       </mc:AlternateContent>
-      <mc:AlternateContent xmlns:mc="http://schemas.openxmlformats.org/markup-compatibility/2006">
-        <mc:Choice xmlns:a14="http://schemas.microsoft.com/office/drawing/2010/main" Requires="a14">
+      <mc:AlternateContent xmlns:mc="http://schemas.openxmlformats.org/markup-compatibility/2006" xmlns:a14="http://schemas.microsoft.com/office/drawing/2010/main">
+        <mc:Choice Requires="a14">
           <p:sp>
             <p:nvSpPr>
               <p:cNvPr id="16" name="TextBox 15">
@@ -13979,6 +13984,7 @@
               </a:bodyPr>
               <a:lstStyle/>
               <a:p>
+                <a:pPr/>
                 <a14:m>
                   <m:oMathPara xmlns:m="http://schemas.openxmlformats.org/officeDocument/2006/math">
                     <m:oMathParaPr>
@@ -14018,7 +14024,7 @@
             </p:txBody>
           </p:sp>
         </mc:Choice>
-        <mc:Fallback>
+        <mc:Fallback xmlns="">
           <p:sp>
             <p:nvSpPr>
               <p:cNvPr id="16" name="TextBox 15">
@@ -14063,8 +14069,8 @@
           </p:sp>
         </mc:Fallback>
       </mc:AlternateContent>
-      <mc:AlternateContent xmlns:mc="http://schemas.openxmlformats.org/markup-compatibility/2006">
-        <mc:Choice xmlns:a14="http://schemas.microsoft.com/office/drawing/2010/main" Requires="a14">
+      <mc:AlternateContent xmlns:mc="http://schemas.openxmlformats.org/markup-compatibility/2006" xmlns:a14="http://schemas.microsoft.com/office/drawing/2010/main">
+        <mc:Choice Requires="a14">
           <p:sp>
             <p:nvSpPr>
               <p:cNvPr id="17" name="TextBox 16">
@@ -14166,7 +14172,7 @@
             </p:txBody>
           </p:sp>
         </mc:Choice>
-        <mc:Fallback>
+        <mc:Fallback xmlns="">
           <p:sp>
             <p:nvSpPr>
               <p:cNvPr id="17" name="TextBox 16">
@@ -14377,8 +14383,8 @@
           <a:effectLst/>
         </p:spPr>
       </p:cxnSp>
-      <mc:AlternateContent xmlns:mc="http://schemas.openxmlformats.org/markup-compatibility/2006">
-        <mc:Choice xmlns:a14="http://schemas.microsoft.com/office/drawing/2010/main" Requires="a14">
+      <mc:AlternateContent xmlns:mc="http://schemas.openxmlformats.org/markup-compatibility/2006" xmlns:a14="http://schemas.microsoft.com/office/drawing/2010/main">
+        <mc:Choice Requires="a14">
           <p:sp>
             <p:nvSpPr>
               <p:cNvPr id="24" name="TextBox 23">
@@ -14407,6 +14413,7 @@
               </a:bodyPr>
               <a:lstStyle/>
               <a:p>
+                <a:pPr/>
                 <a14:m>
                   <m:oMathPara xmlns:m="http://schemas.openxmlformats.org/officeDocument/2006/math">
                     <m:oMathParaPr>
@@ -14511,7 +14518,7 @@
             </p:txBody>
           </p:sp>
         </mc:Choice>
-        <mc:Fallback>
+        <mc:Fallback xmlns="">
           <p:sp>
             <p:nvSpPr>
               <p:cNvPr id="24" name="TextBox 23">
@@ -14556,8 +14563,8 @@
           </p:sp>
         </mc:Fallback>
       </mc:AlternateContent>
-      <mc:AlternateContent xmlns:mc="http://schemas.openxmlformats.org/markup-compatibility/2006">
-        <mc:Choice xmlns:a14="http://schemas.microsoft.com/office/drawing/2010/main" Requires="a14">
+      <mc:AlternateContent xmlns:mc="http://schemas.openxmlformats.org/markup-compatibility/2006" xmlns:a14="http://schemas.microsoft.com/office/drawing/2010/main">
+        <mc:Choice Requires="a14">
           <p:sp>
             <p:nvSpPr>
               <p:cNvPr id="25" name="TextBox 24">
@@ -14586,6 +14593,7 @@
               </a:bodyPr>
               <a:lstStyle/>
               <a:p>
+                <a:pPr/>
                 <a14:m>
                   <m:oMathPara xmlns:m="http://schemas.openxmlformats.org/officeDocument/2006/math">
                     <m:oMathParaPr>
@@ -14618,7 +14626,7 @@
             </p:txBody>
           </p:sp>
         </mc:Choice>
-        <mc:Fallback>
+        <mc:Fallback xmlns="">
           <p:sp>
             <p:nvSpPr>
               <p:cNvPr id="25" name="TextBox 24">
@@ -14663,8 +14671,8 @@
           </p:sp>
         </mc:Fallback>
       </mc:AlternateContent>
-      <mc:AlternateContent xmlns:mc="http://schemas.openxmlformats.org/markup-compatibility/2006">
-        <mc:Choice xmlns:a14="http://schemas.microsoft.com/office/drawing/2010/main" Requires="a14">
+      <mc:AlternateContent xmlns:mc="http://schemas.openxmlformats.org/markup-compatibility/2006" xmlns:a14="http://schemas.microsoft.com/office/drawing/2010/main">
+        <mc:Choice Requires="a14">
           <p:sp>
             <p:nvSpPr>
               <p:cNvPr id="26" name="TextBox 25">
@@ -14693,6 +14701,7 @@
               </a:bodyPr>
               <a:lstStyle/>
               <a:p>
+                <a:pPr/>
                 <a14:m>
                   <m:oMathPara xmlns:m="http://schemas.openxmlformats.org/officeDocument/2006/math">
                     <m:oMathParaPr>
@@ -14745,7 +14754,7 @@
             </p:txBody>
           </p:sp>
         </mc:Choice>
-        <mc:Fallback>
+        <mc:Fallback xmlns="">
           <p:sp>
             <p:nvSpPr>
               <p:cNvPr id="26" name="TextBox 25">
@@ -14790,8 +14799,8 @@
           </p:sp>
         </mc:Fallback>
       </mc:AlternateContent>
-      <mc:AlternateContent xmlns:mc="http://schemas.openxmlformats.org/markup-compatibility/2006">
-        <mc:Choice xmlns:a14="http://schemas.microsoft.com/office/drawing/2010/main" Requires="a14">
+      <mc:AlternateContent xmlns:mc="http://schemas.openxmlformats.org/markup-compatibility/2006" xmlns:a14="http://schemas.microsoft.com/office/drawing/2010/main">
+        <mc:Choice Requires="a14">
           <p:sp>
             <p:nvSpPr>
               <p:cNvPr id="27" name="TextBox 26">
@@ -14820,6 +14829,7 @@
               </a:bodyPr>
               <a:lstStyle/>
               <a:p>
+                <a:pPr/>
                 <a14:m>
                   <m:oMathPara xmlns:m="http://schemas.openxmlformats.org/officeDocument/2006/math">
                     <m:oMathParaPr>
@@ -14840,7 +14850,7 @@
             </p:txBody>
           </p:sp>
         </mc:Choice>
-        <mc:Fallback>
+        <mc:Fallback xmlns="">
           <p:sp>
             <p:nvSpPr>
               <p:cNvPr id="27" name="TextBox 26">
@@ -14885,8 +14895,8 @@
           </p:sp>
         </mc:Fallback>
       </mc:AlternateContent>
-      <mc:AlternateContent xmlns:mc="http://schemas.openxmlformats.org/markup-compatibility/2006">
-        <mc:Choice xmlns:a14="http://schemas.microsoft.com/office/drawing/2010/main" Requires="a14">
+      <mc:AlternateContent xmlns:mc="http://schemas.openxmlformats.org/markup-compatibility/2006" xmlns:a14="http://schemas.microsoft.com/office/drawing/2010/main">
+        <mc:Choice Requires="a14">
           <p:sp>
             <p:nvSpPr>
               <p:cNvPr id="28" name="TextBox 27">
@@ -14915,6 +14925,7 @@
               </a:bodyPr>
               <a:lstStyle/>
               <a:p>
+                <a:pPr/>
                 <a14:m>
                   <m:oMathPara xmlns:m="http://schemas.openxmlformats.org/officeDocument/2006/math">
                     <m:oMathParaPr>
@@ -14954,7 +14965,7 @@
             </p:txBody>
           </p:sp>
         </mc:Choice>
-        <mc:Fallback>
+        <mc:Fallback xmlns="">
           <p:sp>
             <p:nvSpPr>
               <p:cNvPr id="28" name="TextBox 27">
@@ -14999,8 +15010,8 @@
           </p:sp>
         </mc:Fallback>
       </mc:AlternateContent>
-      <mc:AlternateContent xmlns:mc="http://schemas.openxmlformats.org/markup-compatibility/2006">
-        <mc:Choice xmlns:a14="http://schemas.microsoft.com/office/drawing/2010/main" Requires="a14">
+      <mc:AlternateContent xmlns:mc="http://schemas.openxmlformats.org/markup-compatibility/2006" xmlns:a14="http://schemas.microsoft.com/office/drawing/2010/main">
+        <mc:Choice Requires="a14">
           <p:sp>
             <p:nvSpPr>
               <p:cNvPr id="29" name="TextBox 28">
@@ -15102,7 +15113,7 @@
             </p:txBody>
           </p:sp>
         </mc:Choice>
-        <mc:Fallback>
+        <mc:Fallback xmlns="">
           <p:sp>
             <p:nvSpPr>
               <p:cNvPr id="29" name="TextBox 28">
@@ -15184,8 +15195,8 @@
           <a:effectLst/>
         </p:spPr>
       </p:cxnSp>
-      <mc:AlternateContent xmlns:mc="http://schemas.openxmlformats.org/markup-compatibility/2006">
-        <mc:Choice xmlns:a14="http://schemas.microsoft.com/office/drawing/2010/main" Requires="a14">
+      <mc:AlternateContent xmlns:mc="http://schemas.openxmlformats.org/markup-compatibility/2006" xmlns:a14="http://schemas.microsoft.com/office/drawing/2010/main">
+        <mc:Choice Requires="a14">
           <p:sp>
             <p:nvSpPr>
               <p:cNvPr id="31" name="TextBox 30">
@@ -15214,6 +15225,7 @@
               </a:bodyPr>
               <a:lstStyle/>
               <a:p>
+                <a:pPr/>
                 <a14:m>
                   <m:oMathPara xmlns:m="http://schemas.openxmlformats.org/officeDocument/2006/math">
                     <m:oMathParaPr>
@@ -15234,7 +15246,7 @@
             </p:txBody>
           </p:sp>
         </mc:Choice>
-        <mc:Fallback>
+        <mc:Fallback xmlns="">
           <p:sp>
             <p:nvSpPr>
               <p:cNvPr id="31" name="TextBox 30">
@@ -16035,8 +16047,8 @@
           </a:p>
         </p:txBody>
       </p:sp>
-      <mc:AlternateContent xmlns:mc="http://schemas.openxmlformats.org/markup-compatibility/2006">
-        <mc:Choice xmlns:a14="http://schemas.microsoft.com/office/drawing/2010/main" Requires="a14">
+      <mc:AlternateContent xmlns:mc="http://schemas.openxmlformats.org/markup-compatibility/2006" xmlns:a14="http://schemas.microsoft.com/office/drawing/2010/main">
+        <mc:Choice Requires="a14">
           <p:sp>
             <p:nvSpPr>
               <p:cNvPr id="30725" name="Rectangle 3"/>
@@ -16439,7 +16451,7 @@
             </p:txBody>
           </p:sp>
         </mc:Choice>
-        <mc:Fallback>
+        <mc:Fallback xmlns="">
           <p:sp>
             <p:nvSpPr>
               <p:cNvPr id="30725" name="Rectangle 3"/>
@@ -17032,8 +17044,8 @@
           </a:p>
         </p:txBody>
       </p:sp>
-      <mc:AlternateContent xmlns:mc="http://schemas.openxmlformats.org/markup-compatibility/2006">
-        <mc:Choice xmlns:a14="http://schemas.microsoft.com/office/drawing/2010/main" Requires="a14">
+      <mc:AlternateContent xmlns:mc="http://schemas.openxmlformats.org/markup-compatibility/2006" xmlns:a14="http://schemas.microsoft.com/office/drawing/2010/main">
+        <mc:Choice Requires="a14">
           <p:sp>
             <p:nvSpPr>
               <p:cNvPr id="30" name="TextBox 29">
@@ -17097,7 +17109,7 @@
             </p:txBody>
           </p:sp>
         </mc:Choice>
-        <mc:Fallback>
+        <mc:Fallback xmlns="">
           <p:sp>
             <p:nvSpPr>
               <p:cNvPr id="30" name="TextBox 29">
@@ -17142,8 +17154,8 @@
           </p:sp>
         </mc:Fallback>
       </mc:AlternateContent>
-      <mc:AlternateContent xmlns:mc="http://schemas.openxmlformats.org/markup-compatibility/2006">
-        <mc:Choice xmlns:a14="http://schemas.microsoft.com/office/drawing/2010/main" Requires="a14">
+      <mc:AlternateContent xmlns:mc="http://schemas.openxmlformats.org/markup-compatibility/2006" xmlns:a14="http://schemas.microsoft.com/office/drawing/2010/main">
+        <mc:Choice Requires="a14">
           <p:sp>
             <p:nvSpPr>
               <p:cNvPr id="31" name="TextBox 30">
@@ -17226,7 +17238,7 @@
             </p:txBody>
           </p:sp>
         </mc:Choice>
-        <mc:Fallback>
+        <mc:Fallback xmlns="">
           <p:sp>
             <p:nvSpPr>
               <p:cNvPr id="31" name="TextBox 30">
@@ -17271,8 +17283,8 @@
           </p:sp>
         </mc:Fallback>
       </mc:AlternateContent>
-      <mc:AlternateContent xmlns:mc="http://schemas.openxmlformats.org/markup-compatibility/2006">
-        <mc:Choice xmlns:a14="http://schemas.microsoft.com/office/drawing/2010/main" Requires="a14">
+      <mc:AlternateContent xmlns:mc="http://schemas.openxmlformats.org/markup-compatibility/2006" xmlns:a14="http://schemas.microsoft.com/office/drawing/2010/main">
+        <mc:Choice Requires="a14">
           <p:sp>
             <p:nvSpPr>
               <p:cNvPr id="32" name="TextBox 31">
@@ -17336,7 +17348,7 @@
             </p:txBody>
           </p:sp>
         </mc:Choice>
-        <mc:Fallback>
+        <mc:Fallback xmlns="">
           <p:sp>
             <p:nvSpPr>
               <p:cNvPr id="32" name="TextBox 31">
@@ -17591,8 +17603,8 @@
           </a:p>
         </p:txBody>
       </p:sp>
-      <mc:AlternateContent xmlns:mc="http://schemas.openxmlformats.org/markup-compatibility/2006">
-        <mc:Choice xmlns:a14="http://schemas.microsoft.com/office/drawing/2010/main" Requires="a14">
+      <mc:AlternateContent xmlns:mc="http://schemas.openxmlformats.org/markup-compatibility/2006" xmlns:a14="http://schemas.microsoft.com/office/drawing/2010/main">
+        <mc:Choice Requires="a14">
           <p:sp>
             <p:nvSpPr>
               <p:cNvPr id="30725" name="Rectangle 3"/>
@@ -18309,7 +18321,7 @@
             </p:txBody>
           </p:sp>
         </mc:Choice>
-        <mc:Fallback>
+        <mc:Fallback xmlns="">
           <p:sp>
             <p:nvSpPr>
               <p:cNvPr id="30725" name="Rectangle 3"/>
@@ -18883,8 +18895,8 @@
           <a:effectLst/>
         </p:spPr>
       </p:cxnSp>
-      <mc:AlternateContent xmlns:mc="http://schemas.openxmlformats.org/markup-compatibility/2006">
-        <mc:Choice xmlns:a14="http://schemas.microsoft.com/office/drawing/2010/main" Requires="a14">
+      <mc:AlternateContent xmlns:mc="http://schemas.openxmlformats.org/markup-compatibility/2006" xmlns:a14="http://schemas.microsoft.com/office/drawing/2010/main">
+        <mc:Choice Requires="a14">
           <p:sp>
             <p:nvSpPr>
               <p:cNvPr id="21" name="TextBox 20">
@@ -18941,7 +18953,7 @@
             </p:txBody>
           </p:sp>
         </mc:Choice>
-        <mc:Fallback>
+        <mc:Fallback xmlns="">
           <p:sp>
             <p:nvSpPr>
               <p:cNvPr id="21" name="TextBox 20">
@@ -18986,8 +18998,8 @@
           </p:sp>
         </mc:Fallback>
       </mc:AlternateContent>
-      <mc:AlternateContent xmlns:mc="http://schemas.openxmlformats.org/markup-compatibility/2006">
-        <mc:Choice xmlns:a14="http://schemas.microsoft.com/office/drawing/2010/main" Requires="a14">
+      <mc:AlternateContent xmlns:mc="http://schemas.openxmlformats.org/markup-compatibility/2006" xmlns:a14="http://schemas.microsoft.com/office/drawing/2010/main">
+        <mc:Choice Requires="a14">
           <p:sp>
             <p:nvSpPr>
               <p:cNvPr id="22" name="TextBox 21">
@@ -19069,7 +19081,7 @@
             </p:txBody>
           </p:sp>
         </mc:Choice>
-        <mc:Fallback>
+        <mc:Fallback xmlns="">
           <p:sp>
             <p:nvSpPr>
               <p:cNvPr id="22" name="TextBox 21">
@@ -19206,8 +19218,8 @@
           </a:p>
         </p:txBody>
       </p:sp>
-      <mc:AlternateContent xmlns:mc="http://schemas.openxmlformats.org/markup-compatibility/2006">
-        <mc:Choice xmlns:a14="http://schemas.microsoft.com/office/drawing/2010/main" Requires="a14">
+      <mc:AlternateContent xmlns:mc="http://schemas.openxmlformats.org/markup-compatibility/2006" xmlns:a14="http://schemas.microsoft.com/office/drawing/2010/main">
+        <mc:Choice Requires="a14">
           <p:sp>
             <p:nvSpPr>
               <p:cNvPr id="30725" name="Rectangle 3"/>
@@ -19536,7 +19548,7 @@
             </p:txBody>
           </p:sp>
         </mc:Choice>
-        <mc:Fallback>
+        <mc:Fallback xmlns="">
           <p:sp>
             <p:nvSpPr>
               <p:cNvPr id="30725" name="Rectangle 3"/>
@@ -20073,8 +20085,8 @@
           <a:effectLst/>
         </p:spPr>
       </p:cxnSp>
-      <mc:AlternateContent xmlns:mc="http://schemas.openxmlformats.org/markup-compatibility/2006">
-        <mc:Choice xmlns:a14="http://schemas.microsoft.com/office/drawing/2010/main" Requires="a14">
+      <mc:AlternateContent xmlns:mc="http://schemas.openxmlformats.org/markup-compatibility/2006" xmlns:a14="http://schemas.microsoft.com/office/drawing/2010/main">
+        <mc:Choice Requires="a14">
           <p:sp>
             <p:nvSpPr>
               <p:cNvPr id="16" name="TextBox 15">
@@ -20131,7 +20143,7 @@
             </p:txBody>
           </p:sp>
         </mc:Choice>
-        <mc:Fallback>
+        <mc:Fallback xmlns="">
           <p:sp>
             <p:nvSpPr>
               <p:cNvPr id="16" name="TextBox 15">
@@ -20176,8 +20188,8 @@
           </p:sp>
         </mc:Fallback>
       </mc:AlternateContent>
-      <mc:AlternateContent xmlns:mc="http://schemas.openxmlformats.org/markup-compatibility/2006">
-        <mc:Choice xmlns:a14="http://schemas.microsoft.com/office/drawing/2010/main" Requires="a14">
+      <mc:AlternateContent xmlns:mc="http://schemas.openxmlformats.org/markup-compatibility/2006" xmlns:a14="http://schemas.microsoft.com/office/drawing/2010/main">
+        <mc:Choice Requires="a14">
           <p:sp>
             <p:nvSpPr>
               <p:cNvPr id="17" name="TextBox 16">
@@ -20259,7 +20271,7 @@
             </p:txBody>
           </p:sp>
         </mc:Choice>
-        <mc:Fallback>
+        <mc:Fallback xmlns="">
           <p:sp>
             <p:nvSpPr>
               <p:cNvPr id="17" name="TextBox 16">
@@ -20425,8 +20437,8 @@
           <a:effectLst/>
         </p:spPr>
       </p:cxnSp>
-      <mc:AlternateContent xmlns:mc="http://schemas.openxmlformats.org/markup-compatibility/2006">
-        <mc:Choice xmlns:a14="http://schemas.microsoft.com/office/drawing/2010/main" Requires="a14">
+      <mc:AlternateContent xmlns:mc="http://schemas.openxmlformats.org/markup-compatibility/2006" xmlns:a14="http://schemas.microsoft.com/office/drawing/2010/main">
+        <mc:Choice Requires="a14">
           <p:sp>
             <p:nvSpPr>
               <p:cNvPr id="23" name="TextBox 22">
@@ -20483,7 +20495,7 @@
             </p:txBody>
           </p:sp>
         </mc:Choice>
-        <mc:Fallback>
+        <mc:Fallback xmlns="">
           <p:sp>
             <p:nvSpPr>
               <p:cNvPr id="23" name="TextBox 22">
@@ -20649,8 +20661,8 @@
           <a:effectLst/>
         </p:spPr>
       </p:cxnSp>
-      <mc:AlternateContent xmlns:mc="http://schemas.openxmlformats.org/markup-compatibility/2006">
-        <mc:Choice xmlns:a14="http://schemas.microsoft.com/office/drawing/2010/main" Requires="a14">
+      <mc:AlternateContent xmlns:mc="http://schemas.openxmlformats.org/markup-compatibility/2006" xmlns:a14="http://schemas.microsoft.com/office/drawing/2010/main">
+        <mc:Choice Requires="a14">
           <p:sp>
             <p:nvSpPr>
               <p:cNvPr id="27" name="TextBox 26">
@@ -20707,7 +20719,7 @@
             </p:txBody>
           </p:sp>
         </mc:Choice>
-        <mc:Fallback>
+        <mc:Fallback xmlns="">
           <p:sp>
             <p:nvSpPr>
               <p:cNvPr id="27" name="TextBox 26">
@@ -21399,8 +21411,8 @@
           </a:p>
         </p:txBody>
       </p:sp>
-      <mc:AlternateContent xmlns:mc="http://schemas.openxmlformats.org/markup-compatibility/2006">
-        <mc:Choice xmlns:a14="http://schemas.microsoft.com/office/drawing/2010/main" Requires="a14">
+      <mc:AlternateContent xmlns:mc="http://schemas.openxmlformats.org/markup-compatibility/2006" xmlns:a14="http://schemas.microsoft.com/office/drawing/2010/main">
+        <mc:Choice Requires="a14">
           <p:sp>
             <p:nvSpPr>
               <p:cNvPr id="52" name="TextBox 51">
@@ -21429,6 +21441,7 @@
               </a:bodyPr>
               <a:lstStyle/>
               <a:p>
+                <a:pPr/>
                 <a14:m>
                   <m:oMathPara xmlns:m="http://schemas.openxmlformats.org/officeDocument/2006/math">
                     <m:oMathParaPr>
@@ -21481,7 +21494,7 @@
             </p:txBody>
           </p:sp>
         </mc:Choice>
-        <mc:Fallback>
+        <mc:Fallback xmlns="">
           <p:sp>
             <p:nvSpPr>
               <p:cNvPr id="52" name="TextBox 51">
@@ -21526,8 +21539,8 @@
           </p:sp>
         </mc:Fallback>
       </mc:AlternateContent>
-      <mc:AlternateContent xmlns:mc="http://schemas.openxmlformats.org/markup-compatibility/2006">
-        <mc:Choice xmlns:a14="http://schemas.microsoft.com/office/drawing/2010/main" Requires="a14">
+      <mc:AlternateContent xmlns:mc="http://schemas.openxmlformats.org/markup-compatibility/2006" xmlns:a14="http://schemas.microsoft.com/office/drawing/2010/main">
+        <mc:Choice Requires="a14">
           <p:sp>
             <p:nvSpPr>
               <p:cNvPr id="53" name="TextBox 52">
@@ -21556,6 +21569,7 @@
               </a:bodyPr>
               <a:lstStyle/>
               <a:p>
+                <a:pPr/>
                 <a14:m>
                   <m:oMathPara xmlns:m="http://schemas.openxmlformats.org/officeDocument/2006/math">
                     <m:oMathParaPr>
@@ -21608,7 +21622,7 @@
             </p:txBody>
           </p:sp>
         </mc:Choice>
-        <mc:Fallback>
+        <mc:Fallback xmlns="">
           <p:sp>
             <p:nvSpPr>
               <p:cNvPr id="53" name="TextBox 52">
@@ -21690,8 +21704,8 @@
           <a:effectLst/>
         </p:spPr>
       </p:cxnSp>
-      <mc:AlternateContent xmlns:mc="http://schemas.openxmlformats.org/markup-compatibility/2006">
-        <mc:Choice xmlns:a14="http://schemas.microsoft.com/office/drawing/2010/main" Requires="a14">
+      <mc:AlternateContent xmlns:mc="http://schemas.openxmlformats.org/markup-compatibility/2006" xmlns:a14="http://schemas.microsoft.com/office/drawing/2010/main">
+        <mc:Choice Requires="a14">
           <p:sp>
             <p:nvSpPr>
               <p:cNvPr id="57" name="TextBox 56">
@@ -21773,7 +21787,7 @@
             </p:txBody>
           </p:sp>
         </mc:Choice>
-        <mc:Fallback>
+        <mc:Fallback xmlns="">
           <p:sp>
             <p:nvSpPr>
               <p:cNvPr id="57" name="TextBox 56">
@@ -21818,8 +21832,8 @@
           </p:sp>
         </mc:Fallback>
       </mc:AlternateContent>
-      <mc:AlternateContent xmlns:mc="http://schemas.openxmlformats.org/markup-compatibility/2006">
-        <mc:Choice xmlns:a14="http://schemas.microsoft.com/office/drawing/2010/main" Requires="a14">
+      <mc:AlternateContent xmlns:mc="http://schemas.openxmlformats.org/markup-compatibility/2006" xmlns:a14="http://schemas.microsoft.com/office/drawing/2010/main">
+        <mc:Choice Requires="a14">
           <p:sp>
             <p:nvSpPr>
               <p:cNvPr id="58" name="TextBox 57">
@@ -21848,6 +21862,7 @@
               </a:bodyPr>
               <a:lstStyle/>
               <a:p>
+                <a:pPr/>
                 <a14:m>
                   <m:oMathPara xmlns:m="http://schemas.openxmlformats.org/officeDocument/2006/math">
                     <m:oMathParaPr>
@@ -21900,7 +21915,7 @@
             </p:txBody>
           </p:sp>
         </mc:Choice>
-        <mc:Fallback>
+        <mc:Fallback xmlns="">
           <p:sp>
             <p:nvSpPr>
               <p:cNvPr id="58" name="TextBox 57">
@@ -21945,8 +21960,8 @@
           </p:sp>
         </mc:Fallback>
       </mc:AlternateContent>
-      <mc:AlternateContent xmlns:mc="http://schemas.openxmlformats.org/markup-compatibility/2006">
-        <mc:Choice xmlns:a14="http://schemas.microsoft.com/office/drawing/2010/main" Requires="a14">
+      <mc:AlternateContent xmlns:mc="http://schemas.openxmlformats.org/markup-compatibility/2006" xmlns:a14="http://schemas.microsoft.com/office/drawing/2010/main">
+        <mc:Choice Requires="a14">
           <p:sp>
             <p:nvSpPr>
               <p:cNvPr id="59" name="TextBox 58">
@@ -21975,6 +21990,7 @@
               </a:bodyPr>
               <a:lstStyle/>
               <a:p>
+                <a:pPr/>
                 <a14:m>
                   <m:oMathPara xmlns:m="http://schemas.openxmlformats.org/officeDocument/2006/math">
                     <m:oMathParaPr>
@@ -22027,7 +22043,7 @@
             </p:txBody>
           </p:sp>
         </mc:Choice>
-        <mc:Fallback>
+        <mc:Fallback xmlns="">
           <p:sp>
             <p:nvSpPr>
               <p:cNvPr id="59" name="TextBox 58">
@@ -22164,8 +22180,8 @@
           </a:p>
         </p:txBody>
       </p:sp>
-      <mc:AlternateContent xmlns:mc="http://schemas.openxmlformats.org/markup-compatibility/2006">
-        <mc:Choice xmlns:a14="http://schemas.microsoft.com/office/drawing/2010/main" Requires="a14">
+      <mc:AlternateContent xmlns:mc="http://schemas.openxmlformats.org/markup-compatibility/2006" xmlns:a14="http://schemas.microsoft.com/office/drawing/2010/main">
+        <mc:Choice Requires="a14">
           <p:sp>
             <p:nvSpPr>
               <p:cNvPr id="30725" name="Rectangle 3"/>
@@ -23070,7 +23086,7 @@
             </p:txBody>
           </p:sp>
         </mc:Choice>
-        <mc:Fallback>
+        <mc:Fallback xmlns="">
           <p:sp>
             <p:nvSpPr>
               <p:cNvPr id="30725" name="Rectangle 3"/>
@@ -23200,8 +23216,8 @@
           </a:p>
         </p:txBody>
       </p:sp>
-      <mc:AlternateContent xmlns:mc="http://schemas.openxmlformats.org/markup-compatibility/2006">
-        <mc:Choice xmlns:a14="http://schemas.microsoft.com/office/drawing/2010/main" Requires="a14">
+      <mc:AlternateContent xmlns:mc="http://schemas.openxmlformats.org/markup-compatibility/2006" xmlns:a14="http://schemas.microsoft.com/office/drawing/2010/main">
+        <mc:Choice Requires="a14">
           <p:sp>
             <p:nvSpPr>
               <p:cNvPr id="30725" name="Rectangle 3"/>
@@ -24514,7 +24530,7 @@
             </p:txBody>
           </p:sp>
         </mc:Choice>
-        <mc:Fallback>
+        <mc:Fallback xmlns="">
           <p:sp>
             <p:nvSpPr>
               <p:cNvPr id="30725" name="Rectangle 3"/>
@@ -25450,8 +25466,8 @@
           </a:p>
         </p:txBody>
       </p:sp>
-      <mc:AlternateContent xmlns:mc="http://schemas.openxmlformats.org/markup-compatibility/2006">
-        <mc:Choice xmlns:a14="http://schemas.microsoft.com/office/drawing/2010/main" Requires="a14">
+      <mc:AlternateContent xmlns:mc="http://schemas.openxmlformats.org/markup-compatibility/2006" xmlns:a14="http://schemas.microsoft.com/office/drawing/2010/main">
+        <mc:Choice Requires="a14">
           <p:sp>
             <p:nvSpPr>
               <p:cNvPr id="30725" name="Rectangle 3"/>
@@ -26045,7 +26061,7 @@
             </p:txBody>
           </p:sp>
         </mc:Choice>
-        <mc:Fallback>
+        <mc:Fallback xmlns="">
           <p:sp>
             <p:nvSpPr>
               <p:cNvPr id="30725" name="Rectangle 3"/>
@@ -26175,8 +26191,8 @@
           </a:p>
         </p:txBody>
       </p:sp>
-      <mc:AlternateContent xmlns:mc="http://schemas.openxmlformats.org/markup-compatibility/2006">
-        <mc:Choice xmlns:a14="http://schemas.microsoft.com/office/drawing/2010/main" Requires="a14">
+      <mc:AlternateContent xmlns:mc="http://schemas.openxmlformats.org/markup-compatibility/2006" xmlns:a14="http://schemas.microsoft.com/office/drawing/2010/main">
+        <mc:Choice Requires="a14">
           <p:sp>
             <p:nvSpPr>
               <p:cNvPr id="30725" name="Rectangle 3"/>
@@ -26324,19 +26340,7 @@
                           <a:rPr lang="en-US" sz="1800" i="1">
                             <a:latin typeface="Cambria Math" panose="02040503050406030204" pitchFamily="18" charset="0"/>
                           </a:rPr>
-                          <m:t>|0&gt; </m:t>
-                        </m:r>
-                        <m:r>
-                          <a:rPr lang="en-US" sz="1800" i="1">
-                            <a:latin typeface="Cambria Math" panose="02040503050406030204" pitchFamily="18" charset="0"/>
-                          </a:rPr>
-                          <m:t> − </m:t>
-                        </m:r>
-                        <m:r>
-                          <a:rPr lang="en-US" sz="1800" i="1">
-                            <a:latin typeface="Cambria Math" panose="02040503050406030204" pitchFamily="18" charset="0"/>
-                          </a:rPr>
-                          <m:t>|1&gt;</m:t>
+                          <m:t>|0&gt;  − |1&gt;</m:t>
                         </m:r>
                       </m:num>
                       <m:den>
@@ -26382,19 +26386,7 @@
                           <a:rPr lang="en-US" sz="1800" i="1">
                             <a:latin typeface="Cambria Math" panose="02040503050406030204" pitchFamily="18" charset="0"/>
                           </a:rPr>
-                          <m:t>|0&gt; </m:t>
-                        </m:r>
-                        <m:r>
-                          <a:rPr lang="en-US" sz="1800" i="1">
-                            <a:latin typeface="Cambria Math" panose="02040503050406030204" pitchFamily="18" charset="0"/>
-                          </a:rPr>
-                          <m:t> − </m:t>
-                        </m:r>
-                        <m:r>
-                          <a:rPr lang="en-US" sz="1800" i="1">
-                            <a:latin typeface="Cambria Math" panose="02040503050406030204" pitchFamily="18" charset="0"/>
-                          </a:rPr>
-                          <m:t>|1&gt;</m:t>
+                          <m:t>|0&gt;  − |1&gt;</m:t>
                         </m:r>
                       </m:num>
                       <m:den>
@@ -26435,7 +26427,7 @@
             </p:txBody>
           </p:sp>
         </mc:Choice>
-        <mc:Fallback>
+        <mc:Fallback xmlns="">
           <p:sp>
             <p:nvSpPr>
               <p:cNvPr id="30725" name="Rectangle 3"/>
@@ -26718,8 +26710,8 @@
           </a:p>
         </p:txBody>
       </p:sp>
-      <mc:AlternateContent xmlns:mc="http://schemas.openxmlformats.org/markup-compatibility/2006">
-        <mc:Choice xmlns:a14="http://schemas.microsoft.com/office/drawing/2010/main" Requires="a14">
+      <mc:AlternateContent xmlns:mc="http://schemas.openxmlformats.org/markup-compatibility/2006" xmlns:a14="http://schemas.microsoft.com/office/drawing/2010/main">
+        <mc:Choice Requires="a14">
           <p:sp>
             <p:nvSpPr>
               <p:cNvPr id="30725" name="Rectangle 3"/>
@@ -28121,7 +28113,7 @@
             </p:txBody>
           </p:sp>
         </mc:Choice>
-        <mc:Fallback>
+        <mc:Fallback xmlns="">
           <p:sp>
             <p:nvSpPr>
               <p:cNvPr id="30725" name="Rectangle 3"/>
@@ -28288,8 +28280,8 @@
           <a:effectLst/>
         </p:spPr>
       </p:cxnSp>
-      <mc:AlternateContent xmlns:mc="http://schemas.openxmlformats.org/markup-compatibility/2006">
-        <mc:Choice xmlns:a14="http://schemas.microsoft.com/office/drawing/2010/main" Requires="a14">
+      <mc:AlternateContent xmlns:mc="http://schemas.openxmlformats.org/markup-compatibility/2006" xmlns:a14="http://schemas.microsoft.com/office/drawing/2010/main">
+        <mc:Choice Requires="a14">
           <p:sp>
             <p:nvSpPr>
               <p:cNvPr id="13" name="TextBox 12">
@@ -28318,6 +28310,7 @@
               </a:bodyPr>
               <a:lstStyle/>
               <a:p>
+                <a:pPr/>
                 <a14:m>
                   <m:oMathPara xmlns:m="http://schemas.openxmlformats.org/officeDocument/2006/math">
                     <m:oMathParaPr>
@@ -28369,7 +28362,7 @@
             </p:txBody>
           </p:sp>
         </mc:Choice>
-        <mc:Fallback>
+        <mc:Fallback xmlns="">
           <p:sp>
             <p:nvSpPr>
               <p:cNvPr id="13" name="TextBox 12">
@@ -28812,8 +28805,8 @@
           <a:effectLst/>
         </p:spPr>
       </p:cxnSp>
-      <mc:AlternateContent xmlns:mc="http://schemas.openxmlformats.org/markup-compatibility/2006">
-        <mc:Choice xmlns:a14="http://schemas.microsoft.com/office/drawing/2010/main" Requires="a14">
+      <mc:AlternateContent xmlns:mc="http://schemas.openxmlformats.org/markup-compatibility/2006" xmlns:a14="http://schemas.microsoft.com/office/drawing/2010/main">
+        <mc:Choice Requires="a14">
           <p:sp>
             <p:nvSpPr>
               <p:cNvPr id="45" name="TextBox 44">
@@ -29075,7 +29068,7 @@
             </p:txBody>
           </p:sp>
         </mc:Choice>
-        <mc:Fallback>
+        <mc:Fallback xmlns="">
           <p:sp>
             <p:nvSpPr>
               <p:cNvPr id="45" name="TextBox 44">
@@ -29120,8 +29113,8 @@
           </p:sp>
         </mc:Fallback>
       </mc:AlternateContent>
-      <mc:AlternateContent xmlns:mc="http://schemas.openxmlformats.org/markup-compatibility/2006">
-        <mc:Choice xmlns:a14="http://schemas.microsoft.com/office/drawing/2010/main" Requires="a14">
+      <mc:AlternateContent xmlns:mc="http://schemas.openxmlformats.org/markup-compatibility/2006" xmlns:a14="http://schemas.microsoft.com/office/drawing/2010/main">
+        <mc:Choice Requires="a14">
           <p:sp>
             <p:nvSpPr>
               <p:cNvPr id="48" name="TextBox 47">
@@ -29150,6 +29143,7 @@
               </a:bodyPr>
               <a:lstStyle/>
               <a:p>
+                <a:pPr/>
                 <a14:m>
                   <m:oMathPara xmlns:m="http://schemas.openxmlformats.org/officeDocument/2006/math">
                     <m:oMathParaPr>
@@ -29201,7 +29195,7 @@
             </p:txBody>
           </p:sp>
         </mc:Choice>
-        <mc:Fallback>
+        <mc:Fallback xmlns="">
           <p:sp>
             <p:nvSpPr>
               <p:cNvPr id="48" name="TextBox 47">
@@ -29246,8 +29240,8 @@
           </p:sp>
         </mc:Fallback>
       </mc:AlternateContent>
-      <mc:AlternateContent xmlns:mc="http://schemas.openxmlformats.org/markup-compatibility/2006">
-        <mc:Choice xmlns:a14="http://schemas.microsoft.com/office/drawing/2010/main" Requires="a14">
+      <mc:AlternateContent xmlns:mc="http://schemas.openxmlformats.org/markup-compatibility/2006" xmlns:a14="http://schemas.microsoft.com/office/drawing/2010/main">
+        <mc:Choice Requires="a14">
           <p:sp>
             <p:nvSpPr>
               <p:cNvPr id="49" name="TextBox 48">
@@ -29446,7 +29440,7 @@
             </p:txBody>
           </p:sp>
         </mc:Choice>
-        <mc:Fallback>
+        <mc:Fallback xmlns="">
           <p:sp>
             <p:nvSpPr>
               <p:cNvPr id="49" name="TextBox 48">
@@ -29491,8 +29485,8 @@
           </p:sp>
         </mc:Fallback>
       </mc:AlternateContent>
-      <mc:AlternateContent xmlns:mc="http://schemas.openxmlformats.org/markup-compatibility/2006">
-        <mc:Choice xmlns:a14="http://schemas.microsoft.com/office/drawing/2010/main" Requires="a14">
+      <mc:AlternateContent xmlns:mc="http://schemas.openxmlformats.org/markup-compatibility/2006" xmlns:a14="http://schemas.microsoft.com/office/drawing/2010/main">
+        <mc:Choice Requires="a14">
           <p:sp>
             <p:nvSpPr>
               <p:cNvPr id="52" name="TextBox 51">
@@ -29521,6 +29515,7 @@
               </a:bodyPr>
               <a:lstStyle/>
               <a:p>
+                <a:pPr/>
                 <a14:m>
                   <m:oMathPara xmlns:m="http://schemas.openxmlformats.org/officeDocument/2006/math">
                     <m:oMathParaPr>
@@ -29572,7 +29567,7 @@
             </p:txBody>
           </p:sp>
         </mc:Choice>
-        <mc:Fallback>
+        <mc:Fallback xmlns="">
           <p:sp>
             <p:nvSpPr>
               <p:cNvPr id="52" name="TextBox 51">
@@ -29617,8 +29612,8 @@
           </p:sp>
         </mc:Fallback>
       </mc:AlternateContent>
-      <mc:AlternateContent xmlns:mc="http://schemas.openxmlformats.org/markup-compatibility/2006">
-        <mc:Choice xmlns:a14="http://schemas.microsoft.com/office/drawing/2010/main" Requires="a14">
+      <mc:AlternateContent xmlns:mc="http://schemas.openxmlformats.org/markup-compatibility/2006" xmlns:a14="http://schemas.microsoft.com/office/drawing/2010/main">
+        <mc:Choice Requires="a14">
           <p:sp>
             <p:nvSpPr>
               <p:cNvPr id="30727" name="TextBox 30726">
@@ -29852,7 +29847,7 @@
             </p:txBody>
           </p:sp>
         </mc:Choice>
-        <mc:Fallback>
+        <mc:Fallback xmlns="">
           <p:sp>
             <p:nvSpPr>
               <p:cNvPr id="30727" name="TextBox 30726">
@@ -31115,8 +31110,8 @@
           </a:p>
         </p:txBody>
       </p:sp>
-      <mc:AlternateContent xmlns:mc="http://schemas.openxmlformats.org/markup-compatibility/2006">
-        <mc:Choice xmlns:a14="http://schemas.microsoft.com/office/drawing/2010/main" Requires="a14">
+      <mc:AlternateContent xmlns:mc="http://schemas.openxmlformats.org/markup-compatibility/2006" xmlns:a14="http://schemas.microsoft.com/office/drawing/2010/main">
+        <mc:Choice Requires="a14">
           <p:sp>
             <p:nvSpPr>
               <p:cNvPr id="30725" name="Rectangle 3"/>
@@ -31397,7 +31392,7 @@
             </p:txBody>
           </p:sp>
         </mc:Choice>
-        <mc:Fallback>
+        <mc:Fallback xmlns="">
           <p:sp>
             <p:nvSpPr>
               <p:cNvPr id="30725" name="Rectangle 3"/>
@@ -31531,8 +31526,8 @@
           </a:p>
         </p:txBody>
       </p:sp>
-      <mc:AlternateContent xmlns:mc="http://schemas.openxmlformats.org/markup-compatibility/2006">
-        <mc:Choice xmlns:a14="http://schemas.microsoft.com/office/drawing/2010/main" Requires="a14">
+      <mc:AlternateContent xmlns:mc="http://schemas.openxmlformats.org/markup-compatibility/2006" xmlns:a14="http://schemas.microsoft.com/office/drawing/2010/main">
+        <mc:Choice Requires="a14">
           <p:sp>
             <p:nvSpPr>
               <p:cNvPr id="30725" name="Rectangle 3"/>
@@ -32282,7 +32277,7 @@
             </p:txBody>
           </p:sp>
         </mc:Choice>
-        <mc:Fallback>
+        <mc:Fallback xmlns="">
           <p:sp>
             <p:nvSpPr>
               <p:cNvPr id="30725" name="Rectangle 3"/>
@@ -34662,8 +34657,8 @@
           </a:p>
         </p:txBody>
       </p:sp>
-      <mc:AlternateContent xmlns:mc="http://schemas.openxmlformats.org/markup-compatibility/2006">
-        <mc:Choice xmlns:a14="http://schemas.microsoft.com/office/drawing/2010/main" Requires="a14">
+      <mc:AlternateContent xmlns:mc="http://schemas.openxmlformats.org/markup-compatibility/2006" xmlns:a14="http://schemas.microsoft.com/office/drawing/2010/main">
+        <mc:Choice Requires="a14">
           <p:sp>
             <p:nvSpPr>
               <p:cNvPr id="30725" name="Rectangle 3"/>
@@ -35025,19 +35020,7 @@
                       <a:rPr lang="en-US" sz="1800" i="1">
                         <a:latin typeface="Cambria Math" panose="02040503050406030204" pitchFamily="18" charset="0"/>
                       </a:rPr>
-                      <m:t>|</m:t>
-                    </m:r>
-                    <m:r>
-                      <a:rPr lang="en-US" sz="1800" i="1">
-                        <a:latin typeface="Cambria Math" panose="02040503050406030204" pitchFamily="18" charset="0"/>
-                      </a:rPr>
-                      <m:t>1</m:t>
-                    </m:r>
-                    <m:r>
-                      <a:rPr lang="en-US" sz="1800" i="1">
-                        <a:latin typeface="Cambria Math" panose="02040503050406030204" pitchFamily="18" charset="0"/>
-                      </a:rPr>
-                      <m:t>&gt;</m:t>
+                      <m:t>|1&gt;</m:t>
                     </m:r>
                   </m:oMath>
                 </a14:m>
@@ -35120,19 +35103,7 @@
                       <a:rPr lang="en-US" sz="1800" i="1">
                         <a:latin typeface="Cambria Math" panose="02040503050406030204" pitchFamily="18" charset="0"/>
                       </a:rPr>
-                      <m:t>|</m:t>
-                    </m:r>
-                    <m:r>
-                      <a:rPr lang="en-US" sz="1800" i="1">
-                        <a:latin typeface="Cambria Math" panose="02040503050406030204" pitchFamily="18" charset="0"/>
-                      </a:rPr>
-                      <m:t>1</m:t>
-                    </m:r>
-                    <m:r>
-                      <a:rPr lang="en-US" sz="1800" i="1">
-                        <a:latin typeface="Cambria Math" panose="02040503050406030204" pitchFamily="18" charset="0"/>
-                      </a:rPr>
-                      <m:t>&gt; = (</m:t>
+                      <m:t>|1&gt; = (</m:t>
                     </m:r>
                     <m:m>
                       <m:mPr>
@@ -36151,7 +36122,7 @@
             </p:txBody>
           </p:sp>
         </mc:Choice>
-        <mc:Fallback>
+        <mc:Fallback xmlns="">
           <p:sp>
             <p:nvSpPr>
               <p:cNvPr id="30725" name="Rectangle 3"/>
@@ -36776,12 +36747,31 @@
                         </m:ctrlPr>
                       </m:accPr>
                       <m:e>
-                        <m:r>
-                          <a:rPr lang="en-US" sz="2000" i="1">
-                            <a:latin typeface="Cambria Math" panose="02040503050406030204" pitchFamily="18" charset="0"/>
-                          </a:rPr>
-                          <m:t>𝑈</m:t>
-                        </m:r>
+                        <m:sSup>
+                          <m:sSupPr>
+                            <m:ctrlPr>
+                              <a:rPr lang="en-US" sz="2000" i="1" smtClean="0">
+                                <a:latin typeface="Cambria Math" panose="02040503050406030204" pitchFamily="18" charset="0"/>
+                              </a:rPr>
+                            </m:ctrlPr>
+                          </m:sSupPr>
+                          <m:e>
+                            <m:r>
+                              <a:rPr lang="en-US" sz="2000" b="0" i="1" smtClean="0">
+                                <a:latin typeface="Cambria Math" panose="02040503050406030204" pitchFamily="18" charset="0"/>
+                              </a:rPr>
+                              <m:t>𝑈</m:t>
+                            </m:r>
+                          </m:e>
+                          <m:sup>
+                            <m:r>
+                              <a:rPr lang="en-US" sz="2000" b="0" i="1" smtClean="0">
+                                <a:latin typeface="Cambria Math" panose="02040503050406030204" pitchFamily="18" charset="0"/>
+                              </a:rPr>
+                              <m:t>𝑇</m:t>
+                            </m:r>
+                          </m:sup>
+                        </m:sSup>
                       </m:e>
                     </m:acc>
                     <m:r>
@@ -36952,14 +36942,7 @@
                             <a:latin typeface="Cambria Math" panose="02040503050406030204" pitchFamily="18" charset="0"/>
                             <a:ea typeface="Cambria Math" panose="02040503050406030204" pitchFamily="18" charset="0"/>
                           </a:rPr>
-                          <m:t>&gt;</m:t>
-                        </m:r>
-                        <m:r>
-                          <a:rPr lang="en-US" sz="2000" i="1">
-                            <a:latin typeface="Cambria Math" panose="02040503050406030204" pitchFamily="18" charset="0"/>
-                            <a:ea typeface="Cambria Math" panose="02040503050406030204" pitchFamily="18" charset="0"/>
-                          </a:rPr>
-                          <m:t>|</m:t>
+                          <m:t>&gt;|</m:t>
                         </m:r>
                       </m:num>
                       <m:den>
@@ -38082,7 +38065,7 @@
               <a:blipFill>
                 <a:blip r:embed="rId3"/>
                 <a:stretch>
-                  <a:fillRect l="-870" t="-1587" b="-5820"/>
+                  <a:fillRect l="-870" t="-1587" b="-6085"/>
                 </a:stretch>
               </a:blipFill>
             </p:spPr>
@@ -38193,8 +38176,8 @@
           </a:p>
         </p:txBody>
       </p:sp>
-      <mc:AlternateContent xmlns:mc="http://schemas.openxmlformats.org/markup-compatibility/2006">
-        <mc:Choice xmlns:a14="http://schemas.microsoft.com/office/drawing/2010/main" Requires="a14">
+      <mc:AlternateContent xmlns:mc="http://schemas.openxmlformats.org/markup-compatibility/2006" xmlns:a14="http://schemas.microsoft.com/office/drawing/2010/main">
+        <mc:Choice Requires="a14">
           <p:sp>
             <p:nvSpPr>
               <p:cNvPr id="30725" name="Rectangle 3"/>
@@ -38341,21 +38324,7 @@
                         <a:latin typeface="Cambria Math" panose="02040503050406030204" pitchFamily="18" charset="0"/>
                         <a:cs typeface="Calibri" panose="020F0502020204030204" pitchFamily="34" charset="0"/>
                       </a:rPr>
-                      <m:t>|000…0</m:t>
-                    </m:r>
-                    <m:r>
-                      <a:rPr lang="en-US" sz="2000" i="1">
-                        <a:latin typeface="Cambria Math" panose="02040503050406030204" pitchFamily="18" charset="0"/>
-                        <a:cs typeface="Calibri" panose="020F0502020204030204" pitchFamily="34" charset="0"/>
-                      </a:rPr>
-                      <m:t>1</m:t>
-                    </m:r>
-                    <m:r>
-                      <a:rPr lang="en-US" sz="2000" i="1">
-                        <a:latin typeface="Cambria Math" panose="02040503050406030204" pitchFamily="18" charset="0"/>
-                        <a:cs typeface="Calibri" panose="020F0502020204030204" pitchFamily="34" charset="0"/>
-                      </a:rPr>
-                      <m:t>&gt;</m:t>
+                      <m:t>|000…01&gt;</m:t>
                     </m:r>
                     <m:r>
                       <a:rPr lang="en-US" sz="2000" i="1">
@@ -38382,39 +38351,7 @@
                             <a:ea typeface="Cambria Math" panose="02040503050406030204" pitchFamily="18" charset="0"/>
                             <a:cs typeface="Calibri" panose="020F0502020204030204" pitchFamily="34" charset="0"/>
                           </a:rPr>
-                          <m:t>(</m:t>
-                        </m:r>
-                        <m:r>
-                          <a:rPr lang="en-US" sz="2000" i="1">
-                            <a:latin typeface="Cambria Math" panose="02040503050406030204" pitchFamily="18" charset="0"/>
-                            <a:ea typeface="Cambria Math" panose="02040503050406030204" pitchFamily="18" charset="0"/>
-                            <a:cs typeface="Calibri" panose="020F0502020204030204" pitchFamily="34" charset="0"/>
-                          </a:rPr>
-                          <m:t>0</m:t>
-                        </m:r>
-                        <m:r>
-                          <a:rPr lang="en-US" sz="2000" i="1">
-                            <a:latin typeface="Cambria Math" panose="02040503050406030204" pitchFamily="18" charset="0"/>
-                            <a:ea typeface="Cambria Math" panose="02040503050406030204" pitchFamily="18" charset="0"/>
-                            <a:cs typeface="Calibri" panose="020F0502020204030204" pitchFamily="34" charset="0"/>
-                          </a:rPr>
-                          <m:t>, </m:t>
-                        </m:r>
-                        <m:r>
-                          <a:rPr lang="en-US" sz="2000" i="1">
-                            <a:latin typeface="Cambria Math" panose="02040503050406030204" pitchFamily="18" charset="0"/>
-                            <a:ea typeface="Cambria Math" panose="02040503050406030204" pitchFamily="18" charset="0"/>
-                            <a:cs typeface="Calibri" panose="020F0502020204030204" pitchFamily="34" charset="0"/>
-                          </a:rPr>
-                          <m:t>1</m:t>
-                        </m:r>
-                        <m:r>
-                          <a:rPr lang="en-US" sz="2000" i="1">
-                            <a:latin typeface="Cambria Math" panose="02040503050406030204" pitchFamily="18" charset="0"/>
-                            <a:ea typeface="Cambria Math" panose="02040503050406030204" pitchFamily="18" charset="0"/>
-                            <a:cs typeface="Calibri" panose="020F0502020204030204" pitchFamily="34" charset="0"/>
-                          </a:rPr>
-                          <m:t>,…,0)</m:t>
+                          <m:t>(0, 1,…,0)</m:t>
                         </m:r>
                         <m:r>
                           <m:rPr>
@@ -39638,7 +39575,7 @@
             </p:txBody>
           </p:sp>
         </mc:Choice>
-        <mc:Fallback>
+        <mc:Fallback xmlns="">
           <p:sp>
             <p:nvSpPr>
               <p:cNvPr id="30725" name="Rectangle 3"/>
@@ -39768,8 +39705,8 @@
           </a:p>
         </p:txBody>
       </p:sp>
-      <mc:AlternateContent xmlns:mc="http://schemas.openxmlformats.org/markup-compatibility/2006">
-        <mc:Choice xmlns:a14="http://schemas.microsoft.com/office/drawing/2010/main" Requires="a14">
+      <mc:AlternateContent xmlns:mc="http://schemas.openxmlformats.org/markup-compatibility/2006" xmlns:a14="http://schemas.microsoft.com/office/drawing/2010/main">
+        <mc:Choice Requires="a14">
           <p:sp>
             <p:nvSpPr>
               <p:cNvPr id="30725" name="Rectangle 3"/>
@@ -41063,15 +41000,7 @@
                         <a:ea typeface="Cambria Math" panose="02040503050406030204" pitchFamily="18" charset="0"/>
                         <a:cs typeface="Calibri" panose="020F0502020204030204" pitchFamily="34" charset="0"/>
                       </a:rPr>
-                      <m:t>≥</m:t>
-                    </m:r>
-                    <m:r>
-                      <a:rPr lang="en-US" sz="2000" i="1">
-                        <a:latin typeface="Cambria Math" panose="02040503050406030204" pitchFamily="18" charset="0"/>
-                        <a:ea typeface="Cambria Math" panose="02040503050406030204" pitchFamily="18" charset="0"/>
-                        <a:cs typeface="Calibri" panose="020F0502020204030204" pitchFamily="34" charset="0"/>
-                      </a:rPr>
-                      <m:t>0</m:t>
+                      <m:t>≥0</m:t>
                     </m:r>
                   </m:oMath>
                 </a14:m>
@@ -41271,7 +41200,7 @@
             </p:txBody>
           </p:sp>
         </mc:Choice>
-        <mc:Fallback>
+        <mc:Fallback xmlns="">
           <p:sp>
             <p:nvSpPr>
               <p:cNvPr id="30725" name="Rectangle 3"/>
@@ -41401,8 +41330,8 @@
           </a:p>
         </p:txBody>
       </p:sp>
-      <mc:AlternateContent xmlns:mc="http://schemas.openxmlformats.org/markup-compatibility/2006">
-        <mc:Choice xmlns:a14="http://schemas.microsoft.com/office/drawing/2010/main" Requires="a14">
+      <mc:AlternateContent xmlns:mc="http://schemas.openxmlformats.org/markup-compatibility/2006" xmlns:a14="http://schemas.microsoft.com/office/drawing/2010/main">
+        <mc:Choice Requires="a14">
           <p:sp>
             <p:nvSpPr>
               <p:cNvPr id="30725" name="Rectangle 3"/>
@@ -42357,7 +42286,7 @@
             </p:txBody>
           </p:sp>
         </mc:Choice>
-        <mc:Fallback>
+        <mc:Fallback xmlns="">
           <p:sp>
             <p:nvSpPr>
               <p:cNvPr id="30725" name="Rectangle 3"/>
@@ -42487,8 +42416,8 @@
           </a:p>
         </p:txBody>
       </p:sp>
-      <mc:AlternateContent xmlns:mc="http://schemas.openxmlformats.org/markup-compatibility/2006">
-        <mc:Choice xmlns:a14="http://schemas.microsoft.com/office/drawing/2010/main" Requires="a14">
+      <mc:AlternateContent xmlns:mc="http://schemas.openxmlformats.org/markup-compatibility/2006" xmlns:a14="http://schemas.microsoft.com/office/drawing/2010/main">
+        <mc:Choice Requires="a14">
           <p:sp>
             <p:nvSpPr>
               <p:cNvPr id="30725" name="Rectangle 3"/>
@@ -42913,7 +42842,7 @@
             </p:txBody>
           </p:sp>
         </mc:Choice>
-        <mc:Fallback>
+        <mc:Fallback xmlns="">
           <p:sp>
             <p:nvSpPr>
               <p:cNvPr id="30725" name="Rectangle 3"/>
